--- a/SmartMarket_Presentation.pptx
+++ b/SmartMarket_Presentation.pptx
@@ -204,7 +204,8 @@
           <a:p>
             <a:fld id="{F204E91C-0255-4AA5-B55A-98E22802DBEB}" type="datetimeFigureOut">
               <a:rPr lang="ru-RU" smtClean="0"/>
-              <a:t>05.06.2017</a:t>
+              <a:pPr/>
+              <a:t>07.06.2017</a:t>
             </a:fld>
             <a:endParaRPr lang="ru-RU"/>
           </a:p>
@@ -365,6 +366,7 @@
           <a:p>
             <a:fld id="{DD2C9897-F71A-4127-AA5B-63AD170880BC}" type="slidenum">
               <a:rPr lang="ru-RU" smtClean="0"/>
+              <a:pPr/>
               <a:t>‹#›</a:t>
             </a:fld>
             <a:endParaRPr lang="ru-RU"/>
@@ -536,6 +538,7 @@
           <a:p>
             <a:fld id="{DD2C9897-F71A-4127-AA5B-63AD170880BC}" type="slidenum">
               <a:rPr lang="ru-RU" smtClean="0"/>
+              <a:pPr/>
               <a:t>1</a:t>
             </a:fld>
             <a:endParaRPr lang="ru-RU"/>
@@ -687,7 +690,8 @@
           <a:p>
             <a:fld id="{596D29E9-62ED-458C-9589-B9AD97B03788}" type="datetimeFigureOut">
               <a:rPr lang="ru-RU" smtClean="0"/>
-              <a:t>05.06.2017</a:t>
+              <a:pPr/>
+              <a:t>07.06.2017</a:t>
             </a:fld>
             <a:endParaRPr lang="ru-RU"/>
           </a:p>
@@ -1433,6 +1437,7 @@
           <a:p>
             <a:fld id="{22324D31-0B21-45D2-B837-F185E0F17A78}" type="slidenum">
               <a:rPr lang="ru-RU" smtClean="0"/>
+              <a:pPr/>
               <a:t>‹#›</a:t>
             </a:fld>
             <a:endParaRPr lang="ru-RU"/>
@@ -1556,7 +1561,8 @@
           <a:p>
             <a:fld id="{596D29E9-62ED-458C-9589-B9AD97B03788}" type="datetimeFigureOut">
               <a:rPr lang="ru-RU" smtClean="0"/>
-              <a:t>05.06.2017</a:t>
+              <a:pPr/>
+              <a:t>07.06.2017</a:t>
             </a:fld>
             <a:endParaRPr lang="ru-RU"/>
           </a:p>
@@ -1598,6 +1604,7 @@
           <a:p>
             <a:fld id="{22324D31-0B21-45D2-B837-F185E0F17A78}" type="slidenum">
               <a:rPr lang="ru-RU" smtClean="0"/>
+              <a:pPr/>
               <a:t>‹#›</a:t>
             </a:fld>
             <a:endParaRPr lang="ru-RU"/>
@@ -1731,7 +1738,8 @@
           <a:p>
             <a:fld id="{596D29E9-62ED-458C-9589-B9AD97B03788}" type="datetimeFigureOut">
               <a:rPr lang="ru-RU" smtClean="0"/>
-              <a:t>05.06.2017</a:t>
+              <a:pPr/>
+              <a:t>07.06.2017</a:t>
             </a:fld>
             <a:endParaRPr lang="ru-RU"/>
           </a:p>
@@ -1773,6 +1781,7 @@
           <a:p>
             <a:fld id="{22324D31-0B21-45D2-B837-F185E0F17A78}" type="slidenum">
               <a:rPr lang="ru-RU" smtClean="0"/>
+              <a:pPr/>
               <a:t>‹#›</a:t>
             </a:fld>
             <a:endParaRPr lang="ru-RU"/>
@@ -1901,7 +1910,8 @@
           <a:p>
             <a:fld id="{596D29E9-62ED-458C-9589-B9AD97B03788}" type="datetimeFigureOut">
               <a:rPr lang="ru-RU" smtClean="0"/>
-              <a:t>05.06.2017</a:t>
+              <a:pPr/>
+              <a:t>07.06.2017</a:t>
             </a:fld>
             <a:endParaRPr lang="ru-RU"/>
           </a:p>
@@ -1924,6 +1934,7 @@
           <a:p>
             <a:fld id="{22324D31-0B21-45D2-B837-F185E0F17A78}" type="slidenum">
               <a:rPr lang="ru-RU" smtClean="0"/>
+              <a:pPr/>
               <a:t>‹#›</a:t>
             </a:fld>
             <a:endParaRPr lang="ru-RU"/>
@@ -2111,7 +2122,8 @@
           <a:p>
             <a:fld id="{596D29E9-62ED-458C-9589-B9AD97B03788}" type="datetimeFigureOut">
               <a:rPr lang="ru-RU" smtClean="0"/>
-              <a:t>05.06.2017</a:t>
+              <a:pPr/>
+              <a:t>07.06.2017</a:t>
             </a:fld>
             <a:endParaRPr lang="ru-RU"/>
           </a:p>
@@ -2854,6 +2866,7 @@
           <a:p>
             <a:fld id="{22324D31-0B21-45D2-B837-F185E0F17A78}" type="slidenum">
               <a:rPr lang="ru-RU" smtClean="0"/>
+              <a:pPr/>
               <a:t>‹#›</a:t>
             </a:fld>
             <a:endParaRPr lang="ru-RU"/>
@@ -2925,7 +2938,8 @@
           <a:p>
             <a:fld id="{596D29E9-62ED-458C-9589-B9AD97B03788}" type="datetimeFigureOut">
               <a:rPr lang="ru-RU" smtClean="0"/>
-              <a:t>05.06.2017</a:t>
+              <a:pPr/>
+              <a:t>07.06.2017</a:t>
             </a:fld>
             <a:endParaRPr lang="ru-RU"/>
           </a:p>
@@ -2967,6 +2981,7 @@
           <a:p>
             <a:fld id="{22324D31-0B21-45D2-B837-F185E0F17A78}" type="slidenum">
               <a:rPr lang="ru-RU" smtClean="0"/>
+              <a:pPr/>
               <a:t>‹#›</a:t>
             </a:fld>
             <a:endParaRPr lang="ru-RU"/>
@@ -3161,7 +3176,8 @@
           <a:p>
             <a:fld id="{596D29E9-62ED-458C-9589-B9AD97B03788}" type="datetimeFigureOut">
               <a:rPr lang="ru-RU" smtClean="0"/>
-              <a:t>05.06.2017</a:t>
+              <a:pPr/>
+              <a:t>07.06.2017</a:t>
             </a:fld>
             <a:endParaRPr lang="ru-RU"/>
           </a:p>
@@ -3203,6 +3219,7 @@
           <a:p>
             <a:fld id="{22324D31-0B21-45D2-B837-F185E0F17A78}" type="slidenum">
               <a:rPr lang="ru-RU" smtClean="0"/>
+              <a:pPr/>
               <a:t>‹#›</a:t>
             </a:fld>
             <a:endParaRPr lang="ru-RU"/>
@@ -3484,7 +3501,8 @@
           <a:p>
             <a:fld id="{596D29E9-62ED-458C-9589-B9AD97B03788}" type="datetimeFigureOut">
               <a:rPr lang="ru-RU" smtClean="0"/>
-              <a:t>05.06.2017</a:t>
+              <a:pPr/>
+              <a:t>07.06.2017</a:t>
             </a:fld>
             <a:endParaRPr lang="ru-RU"/>
           </a:p>
@@ -3507,6 +3525,7 @@
           <a:p>
             <a:fld id="{22324D31-0B21-45D2-B837-F185E0F17A78}" type="slidenum">
               <a:rPr lang="ru-RU" smtClean="0"/>
+              <a:pPr/>
               <a:t>‹#›</a:t>
             </a:fld>
             <a:endParaRPr lang="ru-RU"/>
@@ -3574,7 +3593,8 @@
           <a:p>
             <a:fld id="{596D29E9-62ED-458C-9589-B9AD97B03788}" type="datetimeFigureOut">
               <a:rPr lang="ru-RU" smtClean="0"/>
-              <a:t>05.06.2017</a:t>
+              <a:pPr/>
+              <a:t>07.06.2017</a:t>
             </a:fld>
             <a:endParaRPr lang="ru-RU"/>
           </a:p>
@@ -3616,6 +3636,7 @@
           <a:p>
             <a:fld id="{22324D31-0B21-45D2-B837-F185E0F17A78}" type="slidenum">
               <a:rPr lang="ru-RU" smtClean="0"/>
+              <a:pPr/>
               <a:t>‹#›</a:t>
             </a:fld>
             <a:endParaRPr lang="ru-RU"/>
@@ -4091,7 +4112,8 @@
           <a:p>
             <a:fld id="{596D29E9-62ED-458C-9589-B9AD97B03788}" type="datetimeFigureOut">
               <a:rPr lang="ru-RU" smtClean="0"/>
-              <a:t>05.06.2017</a:t>
+              <a:pPr/>
+              <a:t>07.06.2017</a:t>
             </a:fld>
             <a:endParaRPr lang="ru-RU"/>
           </a:p>
@@ -4114,6 +4136,7 @@
           <a:p>
             <a:fld id="{22324D31-0B21-45D2-B837-F185E0F17A78}" type="slidenum">
               <a:rPr lang="ru-RU" smtClean="0"/>
+              <a:pPr/>
               <a:t>‹#›</a:t>
             </a:fld>
             <a:endParaRPr lang="ru-RU"/>
@@ -4602,7 +4625,8 @@
           <a:p>
             <a:fld id="{596D29E9-62ED-458C-9589-B9AD97B03788}" type="datetimeFigureOut">
               <a:rPr lang="ru-RU" smtClean="0"/>
-              <a:t>05.06.2017</a:t>
+              <a:pPr/>
+              <a:t>07.06.2017</a:t>
             </a:fld>
             <a:endParaRPr lang="ru-RU"/>
           </a:p>
@@ -4625,6 +4649,7 @@
           <a:p>
             <a:fld id="{22324D31-0B21-45D2-B837-F185E0F17A78}" type="slidenum">
               <a:rPr lang="ru-RU" smtClean="0"/>
+              <a:pPr/>
               <a:t>‹#›</a:t>
             </a:fld>
             <a:endParaRPr lang="ru-RU"/>
@@ -4847,7 +4872,8 @@
           <a:p>
             <a:fld id="{596D29E9-62ED-458C-9589-B9AD97B03788}" type="datetimeFigureOut">
               <a:rPr lang="ru-RU" smtClean="0"/>
-              <a:t>05.06.2017</a:t>
+              <a:pPr/>
+              <a:t>07.06.2017</a:t>
             </a:fld>
             <a:endParaRPr lang="ru-RU"/>
           </a:p>
@@ -5123,6 +5149,7 @@
           <a:p>
             <a:fld id="{22324D31-0B21-45D2-B837-F185E0F17A78}" type="slidenum">
               <a:rPr lang="ru-RU" smtClean="0"/>
+              <a:pPr/>
               <a:t>‹#›</a:t>
             </a:fld>
             <a:endParaRPr lang="ru-RU"/>
@@ -5983,7 +6010,7 @@
       </p:sp>
       <p:pic>
         <p:nvPicPr>
-          <p:cNvPr id="4099" name="Picture 3"/>
+          <p:cNvPr id="2050" name="Picture 2"/>
           <p:cNvPicPr>
             <a:picLocks noChangeAspect="1" noChangeArrowheads="1"/>
           </p:cNvPicPr>
@@ -5998,8 +6025,8 @@
         </p:blipFill>
         <p:spPr bwMode="auto">
           <a:xfrm>
-            <a:off x="0" y="1170879"/>
-            <a:ext cx="9144000" cy="5687122"/>
+            <a:off x="0" y="1772817"/>
+            <a:ext cx="9144000" cy="5112568"/>
           </a:xfrm>
           <a:prstGeom prst="rect">
             <a:avLst/>
@@ -6050,8 +6077,8 @@
         </p:nvSpPr>
         <p:spPr>
           <a:xfrm>
-            <a:off x="179512" y="188640"/>
-            <a:ext cx="2592288" cy="2016224"/>
+            <a:off x="395536" y="0"/>
+            <a:ext cx="2952328" cy="2016224"/>
           </a:xfrm>
         </p:spPr>
         <p:txBody>
@@ -6070,7 +6097,7 @@
       </p:sp>
       <p:pic>
         <p:nvPicPr>
-          <p:cNvPr id="5124" name="Picture 4" descr="E:\Downloads\Opera\Screenshot_2017-06-05-16-47-19.png"/>
+          <p:cNvPr id="3074" name="Picture 2" descr="E:\Downloads\Opera\Screenshot_2017-06-07-08-01-31.png"/>
           <p:cNvPicPr>
             <a:picLocks noChangeAspect="1" noChangeArrowheads="1"/>
           </p:cNvPicPr>
@@ -6085,8 +6112,8 @@
         </p:blipFill>
         <p:spPr bwMode="auto">
           <a:xfrm>
-            <a:off x="2764361" y="0"/>
-            <a:ext cx="5984103" cy="6858000"/>
+            <a:off x="3217434" y="0"/>
+            <a:ext cx="5926565" cy="6858000"/>
           </a:xfrm>
           <a:prstGeom prst="rect">
             <a:avLst/>
@@ -8157,16 +8184,6 @@
               </a:rPr>
               <a:t>- WEB API</a:t>
             </a:r>
-            <a:endParaRPr lang="en-US" sz="2400" dirty="0" smtClean="0">
-              <a:solidFill>
-                <a:schemeClr val="tx1">
-                  <a:lumMod val="75000"/>
-                  <a:lumOff val="25000"/>
-                </a:schemeClr>
-              </a:solidFill>
-              <a:latin typeface="Calibri" pitchFamily="34" charset="0"/>
-              <a:cs typeface="Calibri" pitchFamily="34" charset="0"/>
-            </a:endParaRPr>
           </a:p>
           <a:p>
             <a:r>
@@ -8436,26 +8453,91 @@
           <a:chExt cx="0" cy="0"/>
         </a:xfrm>
       </p:grpSpPr>
+      <p:sp>
+        <p:nvSpPr>
+          <p:cNvPr id="3" name="TextBox 2"/>
+          <p:cNvSpPr txBox="1"/>
+          <p:nvPr/>
+        </p:nvSpPr>
+        <p:spPr>
+          <a:xfrm>
+            <a:off x="107504" y="5657671"/>
+            <a:ext cx="4608512" cy="1200329"/>
+          </a:xfrm>
+          <a:prstGeom prst="rect">
+            <a:avLst/>
+          </a:prstGeom>
+          <a:noFill/>
+        </p:spPr>
+        <p:txBody>
+          <a:bodyPr wrap="square" rtlCol="0">
+            <a:spAutoFit/>
+          </a:bodyPr>
+          <a:lstStyle/>
+          <a:p>
+            <a:r>
+              <a:rPr lang="en-US" sz="3600" dirty="0" smtClean="0">
+                <a:solidFill>
+                  <a:schemeClr val="tx1">
+                    <a:lumMod val="65000"/>
+                    <a:lumOff val="35000"/>
+                  </a:schemeClr>
+                </a:solidFill>
+                <a:latin typeface="Calibri" pitchFamily="34" charset="0"/>
+                <a:cs typeface="Calibri" pitchFamily="34" charset="0"/>
+              </a:rPr>
+              <a:t>UML-</a:t>
+            </a:r>
+            <a:r>
+              <a:rPr lang="uk-UA" sz="3600" dirty="0" smtClean="0">
+                <a:solidFill>
+                  <a:schemeClr val="tx1">
+                    <a:lumMod val="65000"/>
+                    <a:lumOff val="35000"/>
+                  </a:schemeClr>
+                </a:solidFill>
+                <a:latin typeface="Calibri" pitchFamily="34" charset="0"/>
+                <a:cs typeface="Calibri" pitchFamily="34" charset="0"/>
+              </a:rPr>
+              <a:t>моделювання Роль «Користувач»</a:t>
+            </a:r>
+            <a:endParaRPr lang="ru-RU" sz="3600" dirty="0">
+              <a:solidFill>
+                <a:schemeClr val="tx1">
+                  <a:lumMod val="65000"/>
+                  <a:lumOff val="35000"/>
+                </a:schemeClr>
+              </a:solidFill>
+              <a:latin typeface="Calibri" pitchFamily="34" charset="0"/>
+              <a:cs typeface="Calibri" pitchFamily="34" charset="0"/>
+            </a:endParaRPr>
+          </a:p>
+        </p:txBody>
+      </p:sp>
       <p:pic>
         <p:nvPicPr>
-          <p:cNvPr id="4" name="Picture 47"/>
-          <p:cNvPicPr/>
+          <p:cNvPr id="1026" name="Picture 2" descr="C:\Users\Pasha\Desktop\1.jpg"/>
+          <p:cNvPicPr>
+            <a:picLocks noChangeAspect="1" noChangeArrowheads="1"/>
+          </p:cNvPicPr>
           <p:nvPr/>
         </p:nvPicPr>
         <p:blipFill>
           <a:blip r:embed="rId2" cstate="print"/>
+          <a:srcRect/>
           <a:stretch>
             <a:fillRect/>
           </a:stretch>
         </p:blipFill>
-        <p:spPr>
-          <a:xfrm>
-            <a:off x="251520" y="404664"/>
-            <a:ext cx="8496944" cy="5877272"/>
+        <p:spPr bwMode="auto">
+          <a:xfrm>
+            <a:off x="323528" y="47615"/>
+            <a:ext cx="8424936" cy="5687457"/>
           </a:xfrm>
           <a:prstGeom prst="rect">
             <a:avLst/>
           </a:prstGeom>
+          <a:noFill/>
         </p:spPr>
       </p:pic>
     </p:spTree>

--- a/SmartMarket_Presentation.pptx
+++ b/SmartMarket_Presentation.pptx
@@ -5,7 +5,7 @@
     <p:sldMasterId id="2147483696" r:id="rId1"/>
   </p:sldMasterIdLst>
   <p:notesMasterIdLst>
-    <p:notesMasterId r:id="rId15"/>
+    <p:notesMasterId r:id="rId16"/>
   </p:notesMasterIdLst>
   <p:sldIdLst>
     <p:sldId id="256" r:id="rId2"/>
@@ -16,11 +16,12 @@
     <p:sldId id="261" r:id="rId7"/>
     <p:sldId id="262" r:id="rId8"/>
     <p:sldId id="265" r:id="rId9"/>
-    <p:sldId id="263" r:id="rId10"/>
-    <p:sldId id="264" r:id="rId11"/>
-    <p:sldId id="266" r:id="rId12"/>
-    <p:sldId id="267" r:id="rId13"/>
-    <p:sldId id="268" r:id="rId14"/>
+    <p:sldId id="269" r:id="rId10"/>
+    <p:sldId id="263" r:id="rId11"/>
+    <p:sldId id="264" r:id="rId12"/>
+    <p:sldId id="266" r:id="rId13"/>
+    <p:sldId id="267" r:id="rId14"/>
+    <p:sldId id="268" r:id="rId15"/>
   </p:sldIdLst>
   <p:sldSz cx="9144000" cy="6858000" type="screen4x3"/>
   <p:notesSz cx="6858000" cy="9144000"/>
@@ -205,7 +206,7 @@
             <a:fld id="{F204E91C-0255-4AA5-B55A-98E22802DBEB}" type="datetimeFigureOut">
               <a:rPr lang="ru-RU" smtClean="0"/>
               <a:pPr/>
-              <a:t>07.06.2017</a:t>
+              <a:t>11.06.2017</a:t>
             </a:fld>
             <a:endParaRPr lang="ru-RU"/>
           </a:p>
@@ -688,10 +689,10 @@
           <a:bodyPr/>
           <a:lstStyle/>
           <a:p>
-            <a:fld id="{596D29E9-62ED-458C-9589-B9AD97B03788}" type="datetimeFigureOut">
+            <a:fld id="{DC40BACF-BDEB-48D4-A01C-15FD4B5F1B69}" type="datetime1">
               <a:rPr lang="ru-RU" smtClean="0"/>
               <a:pPr/>
-              <a:t>07.06.2017</a:t>
+              <a:t>11.06.2017</a:t>
             </a:fld>
             <a:endParaRPr lang="ru-RU"/>
           </a:p>
@@ -1559,10 +1560,10 @@
           <a:bodyPr/>
           <a:lstStyle/>
           <a:p>
-            <a:fld id="{596D29E9-62ED-458C-9589-B9AD97B03788}" type="datetimeFigureOut">
+            <a:fld id="{4AB4D1D2-7892-4F28-8AFC-C3C2698F6539}" type="datetime1">
               <a:rPr lang="ru-RU" smtClean="0"/>
               <a:pPr/>
-              <a:t>07.06.2017</a:t>
+              <a:t>11.06.2017</a:t>
             </a:fld>
             <a:endParaRPr lang="ru-RU"/>
           </a:p>
@@ -1736,10 +1737,10 @@
           <a:bodyPr/>
           <a:lstStyle/>
           <a:p>
-            <a:fld id="{596D29E9-62ED-458C-9589-B9AD97B03788}" type="datetimeFigureOut">
+            <a:fld id="{181A380F-AF74-4DA3-A32D-8DDD9DEC0142}" type="datetime1">
               <a:rPr lang="ru-RU" smtClean="0"/>
               <a:pPr/>
-              <a:t>07.06.2017</a:t>
+              <a:t>11.06.2017</a:t>
             </a:fld>
             <a:endParaRPr lang="ru-RU"/>
           </a:p>
@@ -1908,10 +1909,10 @@
           <a:bodyPr rtlCol="0"/>
           <a:lstStyle/>
           <a:p>
-            <a:fld id="{596D29E9-62ED-458C-9589-B9AD97B03788}" type="datetimeFigureOut">
+            <a:fld id="{4F373774-BD35-49CF-9364-5539F8FE9B16}" type="datetime1">
               <a:rPr lang="ru-RU" smtClean="0"/>
               <a:pPr/>
-              <a:t>07.06.2017</a:t>
+              <a:t>11.06.2017</a:t>
             </a:fld>
             <a:endParaRPr lang="ru-RU"/>
           </a:p>
@@ -2120,10 +2121,10 @@
           <a:bodyPr/>
           <a:lstStyle/>
           <a:p>
-            <a:fld id="{596D29E9-62ED-458C-9589-B9AD97B03788}" type="datetimeFigureOut">
+            <a:fld id="{399685A9-0251-4519-9B60-7E20AD80B285}" type="datetime1">
               <a:rPr lang="ru-RU" smtClean="0"/>
               <a:pPr/>
-              <a:t>07.06.2017</a:t>
+              <a:t>11.06.2017</a:t>
             </a:fld>
             <a:endParaRPr lang="ru-RU"/>
           </a:p>
@@ -2936,10 +2937,10 @@
           <a:bodyPr/>
           <a:lstStyle/>
           <a:p>
-            <a:fld id="{596D29E9-62ED-458C-9589-B9AD97B03788}" type="datetimeFigureOut">
+            <a:fld id="{F38D0FFB-704E-4A36-984E-3A4B719BA130}" type="datetime1">
               <a:rPr lang="ru-RU" smtClean="0"/>
               <a:pPr/>
-              <a:t>07.06.2017</a:t>
+              <a:t>11.06.2017</a:t>
             </a:fld>
             <a:endParaRPr lang="ru-RU"/>
           </a:p>
@@ -3174,10 +3175,10 @@
           <a:bodyPr/>
           <a:lstStyle/>
           <a:p>
-            <a:fld id="{596D29E9-62ED-458C-9589-B9AD97B03788}" type="datetimeFigureOut">
+            <a:fld id="{D5589E1D-8891-4257-82A3-A239CE9EF212}" type="datetime1">
               <a:rPr lang="ru-RU" smtClean="0"/>
               <a:pPr/>
-              <a:t>07.06.2017</a:t>
+              <a:t>11.06.2017</a:t>
             </a:fld>
             <a:endParaRPr lang="ru-RU"/>
           </a:p>
@@ -3499,10 +3500,10 @@
           <a:bodyPr rtlCol="0"/>
           <a:lstStyle/>
           <a:p>
-            <a:fld id="{596D29E9-62ED-458C-9589-B9AD97B03788}" type="datetimeFigureOut">
+            <a:fld id="{370EC8DC-4966-4F59-B627-C015753465E8}" type="datetime1">
               <a:rPr lang="ru-RU" smtClean="0"/>
               <a:pPr/>
-              <a:t>07.06.2017</a:t>
+              <a:t>11.06.2017</a:t>
             </a:fld>
             <a:endParaRPr lang="ru-RU"/>
           </a:p>
@@ -3591,10 +3592,10 @@
           <a:bodyPr/>
           <a:lstStyle/>
           <a:p>
-            <a:fld id="{596D29E9-62ED-458C-9589-B9AD97B03788}" type="datetimeFigureOut">
+            <a:fld id="{1DA16594-C7E2-42CA-B875-51FD9263FE39}" type="datetime1">
               <a:rPr lang="ru-RU" smtClean="0"/>
               <a:pPr/>
-              <a:t>07.06.2017</a:t>
+              <a:t>11.06.2017</a:t>
             </a:fld>
             <a:endParaRPr lang="ru-RU"/>
           </a:p>
@@ -4110,10 +4111,10 @@
           <a:bodyPr rtlCol="0"/>
           <a:lstStyle/>
           <a:p>
-            <a:fld id="{596D29E9-62ED-458C-9589-B9AD97B03788}" type="datetimeFigureOut">
+            <a:fld id="{85999E93-DDE1-4CC8-8C4E-79087249FF7E}" type="datetime1">
               <a:rPr lang="ru-RU" smtClean="0"/>
               <a:pPr/>
-              <a:t>07.06.2017</a:t>
+              <a:t>11.06.2017</a:t>
             </a:fld>
             <a:endParaRPr lang="ru-RU"/>
           </a:p>
@@ -4623,10 +4624,10 @@
           <a:bodyPr rtlCol="0"/>
           <a:lstStyle/>
           <a:p>
-            <a:fld id="{596D29E9-62ED-458C-9589-B9AD97B03788}" type="datetimeFigureOut">
+            <a:fld id="{68A9F4B1-1D68-441B-A822-BC3AED5594BF}" type="datetime1">
               <a:rPr lang="ru-RU" smtClean="0"/>
               <a:pPr/>
-              <a:t>07.06.2017</a:t>
+              <a:t>11.06.2017</a:t>
             </a:fld>
             <a:endParaRPr lang="ru-RU"/>
           </a:p>
@@ -4870,10 +4871,10 @@
             </a:lvl1pPr>
           </a:lstStyle>
           <a:p>
-            <a:fld id="{596D29E9-62ED-458C-9589-B9AD97B03788}" type="datetimeFigureOut">
+            <a:fld id="{79691D8B-ABDD-44B7-9A2C-D04949836D89}" type="datetime1">
               <a:rPr lang="ru-RU" smtClean="0"/>
               <a:pPr/>
-              <a:t>07.06.2017</a:t>
+              <a:t>11.06.2017</a:t>
             </a:fld>
             <a:endParaRPr lang="ru-RU"/>
           </a:p>
@@ -5172,6 +5173,7 @@
     <p:sldLayoutId id="2147483706" r:id="rId10"/>
     <p:sldLayoutId id="2147483707" r:id="rId11"/>
   </p:sldLayoutIdLst>
+  <p:hf hdr="0" ftr="0" dt="0"/>
   <p:txStyles>
     <p:titleStyle>
       <a:lvl1pPr algn="l" rtl="0" eaLnBrk="1" latinLnBrk="0" hangingPunct="1">
@@ -5600,8 +5602,8 @@
         </p:nvSpPr>
         <p:spPr>
           <a:xfrm>
-            <a:off x="1763688" y="1844824"/>
-            <a:ext cx="7380312" cy="1754326"/>
+            <a:off x="1763688" y="1700808"/>
+            <a:ext cx="7200800" cy="1754326"/>
           </a:xfrm>
           <a:prstGeom prst="rect">
             <a:avLst/>
@@ -5626,61 +5628,9 @@
                 <a:latin typeface="Calibri" pitchFamily="34" charset="0"/>
                 <a:cs typeface="Calibri" pitchFamily="34" charset="0"/>
               </a:rPr>
-              <a:t>Система автоматизації покупок у торгових закладах «</a:t>
-            </a:r>
-            <a:r>
-              <a:rPr lang="en-US" sz="3600" dirty="0" smtClean="0">
-                <a:solidFill>
-                  <a:schemeClr val="tx1">
-                    <a:lumMod val="65000"/>
-                    <a:lumOff val="35000"/>
-                  </a:schemeClr>
-                </a:solidFill>
-                <a:latin typeface="Calibri" pitchFamily="34" charset="0"/>
-                <a:cs typeface="Calibri" pitchFamily="34" charset="0"/>
-              </a:rPr>
-              <a:t>SMART MARKET</a:t>
-            </a:r>
-            <a:r>
-              <a:rPr lang="uk-UA" sz="3600" dirty="0" smtClean="0">
-                <a:solidFill>
-                  <a:schemeClr val="tx1">
-                    <a:lumMod val="65000"/>
-                    <a:lumOff val="35000"/>
-                  </a:schemeClr>
-                </a:solidFill>
-                <a:latin typeface="Calibri" pitchFamily="34" charset="0"/>
-                <a:cs typeface="Calibri" pitchFamily="34" charset="0"/>
-              </a:rPr>
-              <a:t>» </a:t>
-            </a:r>
-            <a:r>
-              <a:rPr lang="en-US" sz="3600" dirty="0" smtClean="0">
-                <a:solidFill>
-                  <a:schemeClr val="tx1">
-                    <a:lumMod val="65000"/>
-                    <a:lumOff val="35000"/>
-                  </a:schemeClr>
-                </a:solidFill>
-                <a:latin typeface="Calibri" pitchFamily="34" charset="0"/>
-                <a:cs typeface="Calibri" pitchFamily="34" charset="0"/>
-              </a:rPr>
-              <a:t>IoT-</a:t>
-            </a:r>
-            <a:r>
-              <a:rPr lang="uk-UA" sz="3600" dirty="0" smtClean="0">
-                <a:solidFill>
-                  <a:schemeClr val="tx1">
-                    <a:lumMod val="65000"/>
-                    <a:lumOff val="35000"/>
-                  </a:schemeClr>
-                </a:solidFill>
-                <a:latin typeface="Calibri" pitchFamily="34" charset="0"/>
-                <a:cs typeface="Calibri" pitchFamily="34" charset="0"/>
-              </a:rPr>
-              <a:t>типу</a:t>
-            </a:r>
-            <a:endParaRPr lang="ru-RU" sz="3600" dirty="0">
+              <a:t>IoT-застосування «SMART MARKET» автоматизації процесу здійснення покупок в торгових закладах</a:t>
+            </a:r>
+            <a:endParaRPr lang="uk-UA" sz="3600" dirty="0">
               <a:solidFill>
                 <a:schemeClr val="tx1">
                   <a:lumMod val="65000"/>
@@ -5842,11 +5792,45 @@
           </a:p>
         </p:txBody>
       </p:sp>
+      <p:sp>
+        <p:nvSpPr>
+          <p:cNvPr id="9" name="Номер слайда 8"/>
+          <p:cNvSpPr>
+            <a:spLocks noGrp="1"/>
+          </p:cNvSpPr>
+          <p:nvPr>
+            <p:ph type="sldNum" sz="quarter" idx="12"/>
+          </p:nvPr>
+        </p:nvSpPr>
+        <p:spPr/>
+        <p:txBody>
+          <a:bodyPr/>
+          <a:lstStyle/>
+          <a:p>
+            <a:fld id="{22324D31-0B21-45D2-B837-F185E0F17A78}" type="slidenum">
+              <a:rPr lang="ru-RU" smtClean="0"/>
+              <a:pPr/>
+              <a:t>1</a:t>
+            </a:fld>
+            <a:endParaRPr lang="ru-RU"/>
+          </a:p>
+        </p:txBody>
+      </p:sp>
     </p:spTree>
   </p:cSld>
   <p:clrMapOvr>
     <a:masterClrMapping/>
   </p:clrMapOvr>
+  <p:transition>
+    <p:wipe/>
+  </p:transition>
+  <p:timing>
+    <p:tnLst>
+      <p:par>
+        <p:cTn id="1" dur="indefinite" restart="never" nodeType="tmRoot"/>
+      </p:par>
+    </p:tnLst>
+  </p:timing>
 </p:sld>
 </file>
 
@@ -5879,8 +5863,8 @@
         </p:nvSpPr>
         <p:spPr>
           <a:xfrm>
-            <a:off x="323528" y="360040"/>
-            <a:ext cx="2376264" cy="1700808"/>
+            <a:off x="323528" y="116632"/>
+            <a:ext cx="7467600" cy="580926"/>
           </a:xfrm>
         </p:spPr>
         <p:txBody>
@@ -5890,13 +5874,27 @@
           <a:lstStyle/>
           <a:p>
             <a:r>
-              <a:rPr lang="uk-UA" sz="4400" dirty="0" smtClean="0">
-                <a:latin typeface="Calibri" pitchFamily="34" charset="0"/>
-                <a:cs typeface="Calibri" pitchFamily="34" charset="0"/>
-              </a:rPr>
-              <a:t>Приклад коду програми </a:t>
-            </a:r>
-            <a:endParaRPr lang="ru-RU" sz="4400" dirty="0">
+              <a:rPr lang="uk-UA" sz="2400" dirty="0" smtClean="0">
+                <a:latin typeface="Calibri" pitchFamily="34" charset="0"/>
+                <a:cs typeface="Calibri" pitchFamily="34" charset="0"/>
+              </a:rPr>
+              <a:t>Приклад коду з програми (реалізація патерну </a:t>
+            </a:r>
+            <a:r>
+              <a:rPr lang="en-US" sz="2400" dirty="0" smtClean="0">
+                <a:latin typeface="Calibri" pitchFamily="34" charset="0"/>
+                <a:cs typeface="Calibri" pitchFamily="34" charset="0"/>
+              </a:rPr>
+              <a:t>Unit of work</a:t>
+            </a:r>
+            <a:r>
+              <a:rPr lang="uk-UA" sz="2400" dirty="0" smtClean="0">
+                <a:latin typeface="Calibri" pitchFamily="34" charset="0"/>
+                <a:cs typeface="Calibri" pitchFamily="34" charset="0"/>
+              </a:rPr>
+              <a:t>)</a:t>
+            </a:r>
+            <a:endParaRPr lang="ru-RU" sz="2400" dirty="0">
               <a:latin typeface="Calibri" pitchFamily="34" charset="0"/>
               <a:cs typeface="Calibri" pitchFamily="34" charset="0"/>
             </a:endParaRPr>
@@ -5905,7 +5903,7 @@
       </p:sp>
       <p:pic>
         <p:nvPicPr>
-          <p:cNvPr id="3076" name="Picture 4"/>
+          <p:cNvPr id="2050" name="Picture 2"/>
           <p:cNvPicPr>
             <a:picLocks noChangeAspect="1" noChangeArrowheads="1"/>
           </p:cNvPicPr>
@@ -5920,8 +5918,8 @@
         </p:blipFill>
         <p:spPr bwMode="auto">
           <a:xfrm>
-            <a:off x="2668117" y="0"/>
-            <a:ext cx="6475883" cy="6858000"/>
+            <a:off x="179512" y="908720"/>
+            <a:ext cx="6334125" cy="5819775"/>
           </a:xfrm>
           <a:prstGeom prst="rect">
             <a:avLst/>
@@ -5935,11 +5933,167 @@
           </a:ln>
         </p:spPr>
       </p:pic>
+      <p:pic>
+        <p:nvPicPr>
+          <p:cNvPr id="2051" name="Picture 3"/>
+          <p:cNvPicPr>
+            <a:picLocks noChangeAspect="1" noChangeArrowheads="1"/>
+          </p:cNvPicPr>
+          <p:nvPr/>
+        </p:nvPicPr>
+        <p:blipFill>
+          <a:blip r:embed="rId3" cstate="print"/>
+          <a:srcRect/>
+          <a:stretch>
+            <a:fillRect/>
+          </a:stretch>
+        </p:blipFill>
+        <p:spPr bwMode="auto">
+          <a:xfrm>
+            <a:off x="6386264" y="3284984"/>
+            <a:ext cx="2232248" cy="285750"/>
+          </a:xfrm>
+          <a:prstGeom prst="rect">
+            <a:avLst/>
+          </a:prstGeom>
+          <a:noFill/>
+          <a:ln w="9525">
+            <a:noFill/>
+            <a:miter lim="800000"/>
+            <a:headEnd/>
+            <a:tailEnd/>
+          </a:ln>
+        </p:spPr>
+      </p:pic>
+      <p:sp>
+        <p:nvSpPr>
+          <p:cNvPr id="9" name="TextBox 8"/>
+          <p:cNvSpPr txBox="1"/>
+          <p:nvPr/>
+        </p:nvSpPr>
+        <p:spPr>
+          <a:xfrm>
+            <a:off x="6314256" y="2825502"/>
+            <a:ext cx="2296141" cy="338554"/>
+          </a:xfrm>
+          <a:prstGeom prst="rect">
+            <a:avLst/>
+          </a:prstGeom>
+          <a:noFill/>
+        </p:spPr>
+        <p:txBody>
+          <a:bodyPr wrap="none" rtlCol="0">
+            <a:spAutoFit/>
+          </a:bodyPr>
+          <a:lstStyle/>
+          <a:p>
+            <a:r>
+              <a:rPr lang="uk-UA" sz="1600" dirty="0" smtClean="0">
+                <a:solidFill>
+                  <a:schemeClr val="tx1">
+                    <a:lumMod val="65000"/>
+                    <a:lumOff val="35000"/>
+                  </a:schemeClr>
+                </a:solidFill>
+                <a:latin typeface="Calibri" pitchFamily="34" charset="0"/>
+                <a:cs typeface="Calibri" pitchFamily="34" charset="0"/>
+              </a:rPr>
+              <a:t>Приклад використання </a:t>
+            </a:r>
+            <a:r>
+              <a:rPr lang="en-US" sz="1600" dirty="0" smtClean="0">
+                <a:solidFill>
+                  <a:schemeClr val="tx1">
+                    <a:lumMod val="65000"/>
+                    <a:lumOff val="35000"/>
+                  </a:schemeClr>
+                </a:solidFill>
+                <a:latin typeface="Calibri" pitchFamily="34" charset="0"/>
+                <a:cs typeface="Calibri" pitchFamily="34" charset="0"/>
+              </a:rPr>
+              <a:t>:</a:t>
+            </a:r>
+            <a:endParaRPr lang="ru-RU" sz="1600" dirty="0">
+              <a:solidFill>
+                <a:schemeClr val="tx1">
+                  <a:lumMod val="65000"/>
+                  <a:lumOff val="35000"/>
+                </a:schemeClr>
+              </a:solidFill>
+              <a:latin typeface="Calibri" pitchFamily="34" charset="0"/>
+              <a:cs typeface="Calibri" pitchFamily="34" charset="0"/>
+            </a:endParaRPr>
+          </a:p>
+        </p:txBody>
+      </p:sp>
+      <p:pic>
+        <p:nvPicPr>
+          <p:cNvPr id="2054" name="Picture 6"/>
+          <p:cNvPicPr>
+            <a:picLocks noChangeAspect="1" noChangeArrowheads="1"/>
+          </p:cNvPicPr>
+          <p:nvPr/>
+        </p:nvPicPr>
+        <p:blipFill>
+          <a:blip r:embed="rId4" cstate="print"/>
+          <a:srcRect/>
+          <a:stretch>
+            <a:fillRect/>
+          </a:stretch>
+        </p:blipFill>
+        <p:spPr bwMode="auto">
+          <a:xfrm>
+            <a:off x="6386264" y="3589015"/>
+            <a:ext cx="2362200" cy="200025"/>
+          </a:xfrm>
+          <a:prstGeom prst="rect">
+            <a:avLst/>
+          </a:prstGeom>
+          <a:noFill/>
+          <a:ln w="9525">
+            <a:noFill/>
+            <a:miter lim="800000"/>
+            <a:headEnd/>
+            <a:tailEnd/>
+          </a:ln>
+        </p:spPr>
+      </p:pic>
+      <p:sp>
+        <p:nvSpPr>
+          <p:cNvPr id="7" name="Номер слайда 6"/>
+          <p:cNvSpPr>
+            <a:spLocks noGrp="1"/>
+          </p:cNvSpPr>
+          <p:nvPr>
+            <p:ph type="sldNum" sz="quarter" idx="15"/>
+          </p:nvPr>
+        </p:nvSpPr>
+        <p:spPr/>
+        <p:txBody>
+          <a:bodyPr/>
+          <a:lstStyle/>
+          <a:p>
+            <a:fld id="{22324D31-0B21-45D2-B837-F185E0F17A78}" type="slidenum">
+              <a:rPr lang="ru-RU" smtClean="0"/>
+              <a:pPr/>
+              <a:t>10</a:t>
+            </a:fld>
+            <a:endParaRPr lang="ru-RU"/>
+          </a:p>
+        </p:txBody>
+      </p:sp>
     </p:spTree>
   </p:cSld>
   <p:clrMapOvr>
     <a:masterClrMapping/>
   </p:clrMapOvr>
+  <p:timing>
+    <p:tnLst>
+      <p:par>
+        <p:cTn id="1" dur="indefinite" restart="never" nodeType="tmRoot"/>
+      </p:par>
+    </p:tnLst>
+  </p:timing>
 </p:sld>
 </file>
 
@@ -5972,45 +6126,57 @@
         </p:nvSpPr>
         <p:spPr>
           <a:xfrm>
-            <a:off x="179512" y="188640"/>
-            <a:ext cx="8568952" cy="810344"/>
+            <a:off x="6012160" y="432048"/>
+            <a:ext cx="2376264" cy="1700808"/>
           </a:xfrm>
         </p:spPr>
         <p:txBody>
           <a:bodyPr>
-            <a:normAutofit/>
+            <a:noAutofit/>
           </a:bodyPr>
           <a:lstStyle/>
           <a:p>
             <a:r>
-              <a:rPr lang="uk-UA" sz="3600" dirty="0" smtClean="0">
-                <a:solidFill>
-                  <a:schemeClr val="tx1">
-                    <a:lumMod val="50000"/>
-                    <a:lumOff val="50000"/>
-                  </a:schemeClr>
-                </a:solidFill>
-                <a:latin typeface="Calibri" pitchFamily="34" charset="0"/>
-                <a:cs typeface="Calibri" pitchFamily="34" charset="0"/>
-              </a:rPr>
-              <a:t>Інтерфейс прикріплення банківської картки</a:t>
-            </a:r>
-            <a:endParaRPr lang="ru-RU" sz="3600" dirty="0">
-              <a:solidFill>
-                <a:schemeClr val="tx1">
-                  <a:lumMod val="50000"/>
-                  <a:lumOff val="50000"/>
-                </a:schemeClr>
-              </a:solidFill>
+              <a:rPr lang="uk-UA" sz="4400" dirty="0" smtClean="0">
+                <a:latin typeface="Calibri" pitchFamily="34" charset="0"/>
+                <a:cs typeface="Calibri" pitchFamily="34" charset="0"/>
+              </a:rPr>
+              <a:t>Приклад коду програми </a:t>
+            </a:r>
+            <a:endParaRPr lang="ru-RU" sz="4400" dirty="0">
               <a:latin typeface="Calibri" pitchFamily="34" charset="0"/>
               <a:cs typeface="Calibri" pitchFamily="34" charset="0"/>
             </a:endParaRPr>
           </a:p>
         </p:txBody>
       </p:sp>
+      <p:sp>
+        <p:nvSpPr>
+          <p:cNvPr id="5" name="Номер слайда 4"/>
+          <p:cNvSpPr>
+            <a:spLocks noGrp="1"/>
+          </p:cNvSpPr>
+          <p:nvPr>
+            <p:ph type="sldNum" sz="quarter" idx="15"/>
+          </p:nvPr>
+        </p:nvSpPr>
+        <p:spPr/>
+        <p:txBody>
+          <a:bodyPr/>
+          <a:lstStyle/>
+          <a:p>
+            <a:fld id="{22324D31-0B21-45D2-B837-F185E0F17A78}" type="slidenum">
+              <a:rPr lang="ru-RU" smtClean="0"/>
+              <a:pPr/>
+              <a:t>11</a:t>
+            </a:fld>
+            <a:endParaRPr lang="ru-RU"/>
+          </a:p>
+        </p:txBody>
+      </p:sp>
       <p:pic>
         <p:nvPicPr>
-          <p:cNvPr id="2050" name="Picture 2"/>
+          <p:cNvPr id="3075" name="Picture 3"/>
           <p:cNvPicPr>
             <a:picLocks noChangeAspect="1" noChangeArrowheads="1"/>
           </p:cNvPicPr>
@@ -6025,8 +6191,8 @@
         </p:blipFill>
         <p:spPr bwMode="auto">
           <a:xfrm>
-            <a:off x="0" y="1772817"/>
-            <a:ext cx="9144000" cy="5112568"/>
+            <a:off x="19793" y="1"/>
+            <a:ext cx="5962801" cy="6885384"/>
           </a:xfrm>
           <a:prstGeom prst="rect">
             <a:avLst/>
@@ -6045,6 +6211,16 @@
   <p:clrMapOvr>
     <a:masterClrMapping/>
   </p:clrMapOvr>
+  <p:transition>
+    <p:wipe dir="u"/>
+  </p:transition>
+  <p:timing>
+    <p:tnLst>
+      <p:par>
+        <p:cTn id="1" dur="indefinite" restart="never" nodeType="tmRoot"/>
+      </p:par>
+    </p:tnLst>
+  </p:timing>
 </p:sld>
 </file>
 
@@ -6065,39 +6241,9 @@
           <a:chExt cx="0" cy="0"/>
         </a:xfrm>
       </p:grpSpPr>
-      <p:sp>
-        <p:nvSpPr>
-          <p:cNvPr id="2" name="Заголовок 1"/>
-          <p:cNvSpPr>
-            <a:spLocks noGrp="1"/>
-          </p:cNvSpPr>
-          <p:nvPr>
-            <p:ph type="title"/>
-          </p:nvPr>
-        </p:nvSpPr>
-        <p:spPr>
-          <a:xfrm>
-            <a:off x="395536" y="0"/>
-            <a:ext cx="2952328" cy="2016224"/>
-          </a:xfrm>
-        </p:spPr>
-        <p:txBody>
-          <a:bodyPr>
-            <a:normAutofit/>
-          </a:bodyPr>
-          <a:lstStyle/>
-          <a:p>
-            <a:r>
-              <a:rPr lang="uk-UA" dirty="0" smtClean="0"/>
-              <a:t>Інтерфейс вибору та оплати товару</a:t>
-            </a:r>
-            <a:endParaRPr lang="ru-RU" dirty="0"/>
-          </a:p>
-        </p:txBody>
-      </p:sp>
       <p:pic>
         <p:nvPicPr>
-          <p:cNvPr id="3074" name="Picture 2" descr="E:\Downloads\Opera\Screenshot_2017-06-07-08-01-31.png"/>
+          <p:cNvPr id="2050" name="Picture 2"/>
           <p:cNvPicPr>
             <a:picLocks noChangeAspect="1" noChangeArrowheads="1"/>
           </p:cNvPicPr>
@@ -6112,13 +6258,131 @@
         </p:blipFill>
         <p:spPr bwMode="auto">
           <a:xfrm>
-            <a:off x="3217434" y="0"/>
-            <a:ext cx="5926565" cy="6858000"/>
+            <a:off x="0" y="1772816"/>
+            <a:ext cx="9144000" cy="5112568"/>
           </a:xfrm>
           <a:prstGeom prst="rect">
             <a:avLst/>
           </a:prstGeom>
           <a:noFill/>
+          <a:ln w="9525">
+            <a:noFill/>
+            <a:miter lim="800000"/>
+            <a:headEnd/>
+            <a:tailEnd/>
+          </a:ln>
+        </p:spPr>
+      </p:pic>
+      <p:sp>
+        <p:nvSpPr>
+          <p:cNvPr id="2" name="Заголовок 1"/>
+          <p:cNvSpPr>
+            <a:spLocks noGrp="1"/>
+          </p:cNvSpPr>
+          <p:nvPr>
+            <p:ph type="title"/>
+          </p:nvPr>
+        </p:nvSpPr>
+        <p:spPr>
+          <a:xfrm>
+            <a:off x="179512" y="188640"/>
+            <a:ext cx="8568952" cy="810344"/>
+          </a:xfrm>
+        </p:spPr>
+        <p:txBody>
+          <a:bodyPr>
+            <a:normAutofit/>
+          </a:bodyPr>
+          <a:lstStyle/>
+          <a:p>
+            <a:r>
+              <a:rPr lang="uk-UA" sz="3600" dirty="0" smtClean="0">
+                <a:solidFill>
+                  <a:schemeClr val="tx1">
+                    <a:lumMod val="50000"/>
+                    <a:lumOff val="50000"/>
+                  </a:schemeClr>
+                </a:solidFill>
+                <a:latin typeface="Calibri" pitchFamily="34" charset="0"/>
+                <a:cs typeface="Calibri" pitchFamily="34" charset="0"/>
+              </a:rPr>
+              <a:t>Інтерфейс прикріплення банківської картки</a:t>
+            </a:r>
+            <a:endParaRPr lang="ru-RU" sz="3600" dirty="0">
+              <a:solidFill>
+                <a:schemeClr val="tx1">
+                  <a:lumMod val="50000"/>
+                  <a:lumOff val="50000"/>
+                </a:schemeClr>
+              </a:solidFill>
+              <a:latin typeface="Calibri" pitchFamily="34" charset="0"/>
+              <a:cs typeface="Calibri" pitchFamily="34" charset="0"/>
+            </a:endParaRPr>
+          </a:p>
+        </p:txBody>
+      </p:sp>
+      <p:sp>
+        <p:nvSpPr>
+          <p:cNvPr id="4" name="Номер слайда 3"/>
+          <p:cNvSpPr>
+            <a:spLocks noGrp="1"/>
+          </p:cNvSpPr>
+          <p:nvPr>
+            <p:ph type="sldNum" sz="quarter" idx="15"/>
+          </p:nvPr>
+        </p:nvSpPr>
+        <p:spPr/>
+        <p:txBody>
+          <a:bodyPr/>
+          <a:lstStyle/>
+          <a:p>
+            <a:fld id="{22324D31-0B21-45D2-B837-F185E0F17A78}" type="slidenum">
+              <a:rPr lang="ru-RU" smtClean="0">
+                <a:solidFill>
+                  <a:schemeClr val="bg1"/>
+                </a:solidFill>
+              </a:rPr>
+              <a:pPr/>
+              <a:t>12</a:t>
+            </a:fld>
+            <a:endParaRPr lang="ru-RU" dirty="0">
+              <a:solidFill>
+                <a:schemeClr val="bg1"/>
+              </a:solidFill>
+            </a:endParaRPr>
+          </a:p>
+        </p:txBody>
+      </p:sp>
+      <p:pic>
+        <p:nvPicPr>
+          <p:cNvPr id="3074" name="Picture 2"/>
+          <p:cNvPicPr>
+            <a:picLocks noChangeAspect="1" noChangeArrowheads="1"/>
+          </p:cNvPicPr>
+          <p:nvPr/>
+        </p:nvPicPr>
+        <p:blipFill>
+          <a:blip r:embed="rId3" cstate="print"/>
+          <a:srcRect/>
+          <a:stretch>
+            <a:fillRect/>
+          </a:stretch>
+        </p:blipFill>
+        <p:spPr bwMode="auto">
+          <a:xfrm>
+            <a:off x="8100392" y="5733256"/>
+            <a:ext cx="714375" cy="752475"/>
+          </a:xfrm>
+          <a:prstGeom prst="rect">
+            <a:avLst/>
+          </a:prstGeom>
+          <a:noFill/>
+          <a:ln w="9525">
+            <a:noFill/>
+            <a:miter lim="800000"/>
+            <a:headEnd/>
+            <a:tailEnd/>
+          </a:ln>
         </p:spPr>
       </p:pic>
     </p:spTree>
@@ -6126,6 +6390,16 @@
   <p:clrMapOvr>
     <a:masterClrMapping/>
   </p:clrMapOvr>
+  <p:transition>
+    <p:wipe/>
+  </p:transition>
+  <p:timing>
+    <p:tnLst>
+      <p:par>
+        <p:cTn id="1" dur="indefinite" restart="never" nodeType="tmRoot"/>
+      </p:par>
+    </p:tnLst>
+  </p:timing>
 </p:sld>
 </file>
 
@@ -6156,7 +6430,12 @@
             <p:ph type="title"/>
           </p:nvPr>
         </p:nvSpPr>
-        <p:spPr/>
+        <p:spPr>
+          <a:xfrm>
+            <a:off x="5868144" y="0"/>
+            <a:ext cx="2952328" cy="2016224"/>
+          </a:xfrm>
+        </p:spPr>
         <p:txBody>
           <a:bodyPr>
             <a:normAutofit/>
@@ -6164,6 +6443,116 @@
           <a:lstStyle/>
           <a:p>
             <a:r>
+              <a:rPr lang="uk-UA" dirty="0" smtClean="0"/>
+              <a:t>Інтерфейс вибору та оплати товару</a:t>
+            </a:r>
+            <a:endParaRPr lang="ru-RU" dirty="0"/>
+          </a:p>
+        </p:txBody>
+      </p:sp>
+      <p:sp>
+        <p:nvSpPr>
+          <p:cNvPr id="4" name="Номер слайда 3"/>
+          <p:cNvSpPr>
+            <a:spLocks noGrp="1"/>
+          </p:cNvSpPr>
+          <p:nvPr>
+            <p:ph type="sldNum" sz="quarter" idx="15"/>
+          </p:nvPr>
+        </p:nvSpPr>
+        <p:spPr/>
+        <p:txBody>
+          <a:bodyPr/>
+          <a:lstStyle/>
+          <a:p>
+            <a:fld id="{22324D31-0B21-45D2-B837-F185E0F17A78}" type="slidenum">
+              <a:rPr lang="ru-RU" smtClean="0"/>
+              <a:pPr/>
+              <a:t>13</a:t>
+            </a:fld>
+            <a:endParaRPr lang="ru-RU" dirty="0"/>
+          </a:p>
+        </p:txBody>
+      </p:sp>
+      <p:pic>
+        <p:nvPicPr>
+          <p:cNvPr id="3074" name="Picture 2" descr="E:\Downloads\Opera\Screenshot_2017-06-07-08-01-31.png"/>
+          <p:cNvPicPr>
+            <a:picLocks noChangeAspect="1" noChangeArrowheads="1"/>
+          </p:cNvPicPr>
+          <p:nvPr/>
+        </p:nvPicPr>
+        <p:blipFill>
+          <a:blip r:embed="rId2" cstate="print"/>
+          <a:srcRect/>
+          <a:stretch>
+            <a:fillRect/>
+          </a:stretch>
+        </p:blipFill>
+        <p:spPr bwMode="auto">
+          <a:xfrm>
+            <a:off x="-36512" y="0"/>
+            <a:ext cx="5926565" cy="6858000"/>
+          </a:xfrm>
+          <a:prstGeom prst="rect">
+            <a:avLst/>
+          </a:prstGeom>
+          <a:noFill/>
+        </p:spPr>
+      </p:pic>
+    </p:spTree>
+  </p:cSld>
+  <p:clrMapOvr>
+    <a:masterClrMapping/>
+  </p:clrMapOvr>
+  <p:transition>
+    <p:wipe dir="r"/>
+  </p:transition>
+  <p:timing>
+    <p:tnLst>
+      <p:par>
+        <p:cTn id="1" dur="indefinite" restart="never" nodeType="tmRoot"/>
+      </p:par>
+    </p:tnLst>
+  </p:timing>
+</p:sld>
+</file>
+
+<file path=ppt/slides/slide14.xml><?xml version="1.0" encoding="utf-8"?>
+<p:sld xmlns:a="http://schemas.openxmlformats.org/drawingml/2006/main" xmlns:r="http://schemas.openxmlformats.org/officeDocument/2006/relationships" xmlns:p="http://schemas.openxmlformats.org/presentationml/2006/main">
+  <p:cSld>
+    <p:spTree>
+      <p:nvGrpSpPr>
+        <p:cNvPr id="1" name=""/>
+        <p:cNvGrpSpPr/>
+        <p:nvPr/>
+      </p:nvGrpSpPr>
+      <p:grpSpPr>
+        <a:xfrm>
+          <a:off x="0" y="0"/>
+          <a:ext cx="0" cy="0"/>
+          <a:chOff x="0" y="0"/>
+          <a:chExt cx="0" cy="0"/>
+        </a:xfrm>
+      </p:grpSpPr>
+      <p:sp>
+        <p:nvSpPr>
+          <p:cNvPr id="2" name="Заголовок 1"/>
+          <p:cNvSpPr>
+            <a:spLocks noGrp="1"/>
+          </p:cNvSpPr>
+          <p:nvPr>
+            <p:ph type="title"/>
+          </p:nvPr>
+        </p:nvSpPr>
+        <p:spPr/>
+        <p:txBody>
+          <a:bodyPr>
+            <a:normAutofit/>
+          </a:bodyPr>
+          <a:lstStyle/>
+          <a:p>
+            <a:r>
               <a:rPr lang="uk-UA" sz="5400" dirty="0" smtClean="0">
                 <a:solidFill>
                   <a:schemeClr val="tx1">
@@ -6175,6 +6564,19 @@
                 <a:cs typeface="Calibri" pitchFamily="34" charset="0"/>
               </a:rPr>
               <a:t>Висновки</a:t>
+            </a:r>
+            <a:r>
+              <a:rPr lang="en-US" sz="5400" dirty="0" smtClean="0">
+                <a:solidFill>
+                  <a:schemeClr val="tx1">
+                    <a:lumMod val="65000"/>
+                    <a:lumOff val="35000"/>
+                  </a:schemeClr>
+                </a:solidFill>
+                <a:latin typeface="Calibri" pitchFamily="34" charset="0"/>
+                <a:cs typeface="Calibri" pitchFamily="34" charset="0"/>
+              </a:rPr>
+              <a:t> :</a:t>
             </a:r>
             <a:endParaRPr lang="ru-RU" sz="5400" dirty="0">
               <a:solidFill>
@@ -6198,7 +6600,7 @@
         <p:spPr>
           <a:xfrm>
             <a:off x="107504" y="1988840"/>
-            <a:ext cx="8640960" cy="3170099"/>
+            <a:ext cx="8640960" cy="3477875"/>
           </a:xfrm>
           <a:prstGeom prst="rect">
             <a:avLst/>
@@ -6239,7 +6641,7 @@
                 <a:latin typeface="Calibri" pitchFamily="34" charset="0"/>
                 <a:cs typeface="Calibri" pitchFamily="34" charset="0"/>
               </a:rPr>
-              <a:t>Проведено аналіз предметної області</a:t>
+              <a:t>проведено аналіз предметної області</a:t>
             </a:r>
             <a:r>
               <a:rPr lang="en-US" sz="2000" dirty="0" smtClean="0">
@@ -6284,7 +6686,7 @@
                 <a:latin typeface="Calibri" pitchFamily="34" charset="0"/>
                 <a:cs typeface="Calibri" pitchFamily="34" charset="0"/>
               </a:rPr>
-              <a:t>Виставлено функціональні вимоги до програмного продукту</a:t>
+              <a:t>виставлено функціональні вимоги до програмного продукту</a:t>
             </a:r>
             <a:r>
               <a:rPr lang="en-US" sz="2000" dirty="0" smtClean="0">
@@ -6339,7 +6741,7 @@
                 <a:latin typeface="Calibri" pitchFamily="34" charset="0"/>
                 <a:cs typeface="Calibri" pitchFamily="34" charset="0"/>
               </a:rPr>
-              <a:t>Спроектовано</a:t>
+              <a:t>спроектовано</a:t>
             </a:r>
             <a:r>
               <a:rPr lang="en-US" sz="2000" dirty="0" smtClean="0">
@@ -6410,7 +6812,7 @@
                 <a:latin typeface="Calibri" pitchFamily="34" charset="0"/>
                 <a:cs typeface="Calibri" pitchFamily="34" charset="0"/>
               </a:rPr>
-              <a:t>Реалізовано веб-додаток, глобалізований під декілька язиків, інтегровано </a:t>
+              <a:t>реалізовано веб-додаток, глобалізований під декілька язиків, інтегровано </a:t>
             </a:r>
             <a:r>
               <a:rPr lang="en-US" sz="2000" dirty="0" smtClean="0">
@@ -6491,7 +6893,7 @@
                 <a:latin typeface="Calibri" pitchFamily="34" charset="0"/>
                 <a:cs typeface="Calibri" pitchFamily="34" charset="0"/>
               </a:rPr>
-              <a:t>Реалізовані власні публічні </a:t>
+              <a:t>реалізовані власні публічні </a:t>
             </a:r>
             <a:r>
               <a:rPr lang="en-US" sz="2000" dirty="0" smtClean="0">
@@ -6517,7 +6919,7 @@
                 <a:latin typeface="Calibri" pitchFamily="34" charset="0"/>
                 <a:cs typeface="Calibri" pitchFamily="34" charset="0"/>
               </a:rPr>
-              <a:t>, відповідаючи функціональним вимогам</a:t>
+              <a:t>, які відповідають функціональним вимогам</a:t>
             </a:r>
             <a:r>
               <a:rPr lang="en-US" sz="2000" dirty="0" smtClean="0">
@@ -6552,7 +6954,7 @@
               <a:t> </a:t>
             </a:r>
             <a:r>
-              <a:rPr lang="uk-UA" sz="2000" dirty="0">
+              <a:rPr lang="uk-UA" sz="2000" dirty="0" smtClean="0">
                 <a:solidFill>
                   <a:schemeClr val="tx1">
                     <a:lumMod val="65000"/>
@@ -6562,20 +6964,7 @@
                 <a:latin typeface="Calibri" pitchFamily="34" charset="0"/>
                 <a:cs typeface="Calibri" pitchFamily="34" charset="0"/>
               </a:rPr>
-              <a:t>Р</a:t>
-            </a:r>
-            <a:r>
-              <a:rPr lang="uk-UA" sz="2000" dirty="0" smtClean="0">
-                <a:solidFill>
-                  <a:schemeClr val="tx1">
-                    <a:lumMod val="65000"/>
-                    <a:lumOff val="35000"/>
-                  </a:schemeClr>
-                </a:solidFill>
-                <a:latin typeface="Calibri" pitchFamily="34" charset="0"/>
-                <a:cs typeface="Calibri" pitchFamily="34" charset="0"/>
-              </a:rPr>
-              <a:t>еалізовано мобільний додаток, з основними сценаріями використання</a:t>
+              <a:t>реалізовано мобільний додаток, з основними сценаріями використання</a:t>
             </a:r>
             <a:r>
               <a:rPr lang="en-US" sz="2000" dirty="0" smtClean="0">
@@ -6620,7 +7009,7 @@
                 <a:latin typeface="Calibri" pitchFamily="34" charset="0"/>
                 <a:cs typeface="Calibri" pitchFamily="34" charset="0"/>
               </a:rPr>
-              <a:t>Виконано мануальне тестування програмної системи</a:t>
+              <a:t>виконано мануальне тестування програмної системи</a:t>
             </a:r>
             <a:r>
               <a:rPr lang="en-US" sz="2000" dirty="0">
@@ -6648,11 +7037,45 @@
           </a:p>
         </p:txBody>
       </p:sp>
+      <p:sp>
+        <p:nvSpPr>
+          <p:cNvPr id="5" name="Номер слайда 4"/>
+          <p:cNvSpPr>
+            <a:spLocks noGrp="1"/>
+          </p:cNvSpPr>
+          <p:nvPr>
+            <p:ph type="sldNum" sz="quarter" idx="15"/>
+          </p:nvPr>
+        </p:nvSpPr>
+        <p:spPr/>
+        <p:txBody>
+          <a:bodyPr/>
+          <a:lstStyle/>
+          <a:p>
+            <a:fld id="{22324D31-0B21-45D2-B837-F185E0F17A78}" type="slidenum">
+              <a:rPr lang="ru-RU" smtClean="0"/>
+              <a:pPr/>
+              <a:t>14</a:t>
+            </a:fld>
+            <a:endParaRPr lang="ru-RU"/>
+          </a:p>
+        </p:txBody>
+      </p:sp>
     </p:spTree>
   </p:cSld>
   <p:clrMapOvr>
     <a:masterClrMapping/>
   </p:clrMapOvr>
+  <p:transition>
+    <p:wipe/>
+  </p:transition>
+  <p:timing>
+    <p:tnLst>
+      <p:par>
+        <p:cTn id="1" dur="indefinite" restart="never" nodeType="tmRoot"/>
+      </p:par>
+    </p:tnLst>
+  </p:timing>
 </p:sld>
 </file>
 
@@ -6859,7 +7282,7 @@
                 <a:latin typeface="Calibri" pitchFamily="34" charset="0"/>
                 <a:cs typeface="Calibri" pitchFamily="34" charset="0"/>
               </a:rPr>
-              <a:t>- мобільний додаток, який дозволяє користувачам, вибрати бажані товари, та оплатити їх через нашу систему</a:t>
+              <a:t>- мобільний додаток, який дозволяє користувачам, вибрати бажані товари, та сплачувати їх через нашу систему</a:t>
             </a:r>
             <a:r>
               <a:rPr lang="en-US" sz="3200" dirty="0" smtClean="0">
@@ -6887,11 +7310,45 @@
           </a:p>
         </p:txBody>
       </p:sp>
+      <p:sp>
+        <p:nvSpPr>
+          <p:cNvPr id="4" name="Номер слайда 3"/>
+          <p:cNvSpPr>
+            <a:spLocks noGrp="1"/>
+          </p:cNvSpPr>
+          <p:nvPr>
+            <p:ph type="sldNum" sz="quarter" idx="15"/>
+          </p:nvPr>
+        </p:nvSpPr>
+        <p:spPr/>
+        <p:txBody>
+          <a:bodyPr/>
+          <a:lstStyle/>
+          <a:p>
+            <a:fld id="{22324D31-0B21-45D2-B837-F185E0F17A78}" type="slidenum">
+              <a:rPr lang="ru-RU" smtClean="0"/>
+              <a:pPr/>
+              <a:t>2</a:t>
+            </a:fld>
+            <a:endParaRPr lang="ru-RU"/>
+          </a:p>
+        </p:txBody>
+      </p:sp>
     </p:spTree>
   </p:cSld>
   <p:clrMapOvr>
     <a:masterClrMapping/>
   </p:clrMapOvr>
+  <p:transition>
+    <p:wipe dir="d"/>
+  </p:transition>
+  <p:timing>
+    <p:tnLst>
+      <p:par>
+        <p:cTn id="1" dur="indefinite" restart="never" nodeType="tmRoot"/>
+      </p:par>
+    </p:tnLst>
+  </p:timing>
 </p:sld>
 </file>
 
@@ -7034,10 +7491,10 @@
                 <a:latin typeface="Calibri" pitchFamily="34" charset="0"/>
                 <a:cs typeface="Calibri" pitchFamily="34" charset="0"/>
               </a:rPr>
-              <a:t>- </a:t>
-            </a:r>
-            <a:r>
-              <a:rPr lang="uk-UA" sz="2400" dirty="0">
+              <a:t>-</a:t>
+            </a:r>
+            <a:r>
+              <a:rPr lang="uk-UA" sz="2400" dirty="0" smtClean="0">
                 <a:solidFill>
                   <a:schemeClr val="tx1">
                     <a:lumMod val="65000"/>
@@ -7047,20 +7504,7 @@
                 <a:latin typeface="Calibri" pitchFamily="34" charset="0"/>
                 <a:cs typeface="Calibri" pitchFamily="34" charset="0"/>
               </a:rPr>
-              <a:t>р</a:t>
-            </a:r>
-            <a:r>
-              <a:rPr lang="uk-UA" sz="2400" dirty="0" smtClean="0">
-                <a:solidFill>
-                  <a:schemeClr val="tx1">
-                    <a:lumMod val="65000"/>
-                    <a:lumOff val="35000"/>
-                  </a:schemeClr>
-                </a:solidFill>
-                <a:latin typeface="Calibri" pitchFamily="34" charset="0"/>
-                <a:cs typeface="Calibri" pitchFamily="34" charset="0"/>
-              </a:rPr>
-              <a:t>учна праця касира (сканування продуктів, прийом грошей, видача решти)</a:t>
+              <a:t> ручна праця касира (сканування продуктів, прийом грошей, видача решти)</a:t>
             </a:r>
             <a:r>
               <a:rPr lang="en-US" sz="2400" dirty="0">
@@ -7257,11 +7701,45 @@
           </a:p>
         </p:txBody>
       </p:sp>
+      <p:sp>
+        <p:nvSpPr>
+          <p:cNvPr id="4" name="Номер слайда 3"/>
+          <p:cNvSpPr>
+            <a:spLocks noGrp="1"/>
+          </p:cNvSpPr>
+          <p:nvPr>
+            <p:ph type="sldNum" sz="quarter" idx="15"/>
+          </p:nvPr>
+        </p:nvSpPr>
+        <p:spPr/>
+        <p:txBody>
+          <a:bodyPr/>
+          <a:lstStyle/>
+          <a:p>
+            <a:fld id="{22324D31-0B21-45D2-B837-F185E0F17A78}" type="slidenum">
+              <a:rPr lang="ru-RU" smtClean="0"/>
+              <a:pPr/>
+              <a:t>3</a:t>
+            </a:fld>
+            <a:endParaRPr lang="ru-RU"/>
+          </a:p>
+        </p:txBody>
+      </p:sp>
     </p:spTree>
   </p:cSld>
   <p:clrMapOvr>
     <a:masterClrMapping/>
   </p:clrMapOvr>
+  <p:transition>
+    <p:wipe dir="u"/>
+  </p:transition>
+  <p:timing>
+    <p:tnLst>
+      <p:par>
+        <p:cTn id="1" dur="indefinite" restart="never" nodeType="tmRoot"/>
+      </p:par>
+    </p:tnLst>
+  </p:timing>
 </p:sld>
 </file>
 
@@ -7351,8 +7829,8 @@
         </p:nvSpPr>
         <p:spPr>
           <a:xfrm>
-            <a:off x="251520" y="1242620"/>
-            <a:ext cx="8568952" cy="5570756"/>
+            <a:off x="179512" y="1242620"/>
+            <a:ext cx="8640960" cy="5940088"/>
           </a:xfrm>
           <a:prstGeom prst="rect">
             <a:avLst/>
@@ -7402,7 +7880,7 @@
                 <a:latin typeface="Calibri" pitchFamily="34" charset="0"/>
                 <a:cs typeface="Calibri" pitchFamily="34" charset="0"/>
               </a:rPr>
-              <a:t>додатку передбачена наступна обов’язкова функціональність</a:t>
+              <a:t>додатку передбачена наступна функціональність</a:t>
             </a:r>
             <a:r>
               <a:rPr lang="en-US" sz="2400" dirty="0" smtClean="0">
@@ -7510,46 +7988,7 @@
                 <a:latin typeface="Calibri" pitchFamily="34" charset="0"/>
                 <a:cs typeface="Calibri" pitchFamily="34" charset="0"/>
               </a:rPr>
-              <a:t>можливість прикріпити картку банку до </a:t>
-            </a:r>
-            <a:r>
-              <a:rPr lang="uk-UA" sz="2400" dirty="0" err="1" smtClean="0">
-                <a:solidFill>
-                  <a:schemeClr val="tx1">
-                    <a:lumMod val="65000"/>
-                    <a:lumOff val="35000"/>
-                  </a:schemeClr>
-                </a:solidFill>
-                <a:latin typeface="Calibri" pitchFamily="34" charset="0"/>
-                <a:cs typeface="Calibri" pitchFamily="34" charset="0"/>
-              </a:rPr>
-              <a:t>акаунт</a:t>
-            </a:r>
-            <a:r>
-              <a:rPr lang="uk-UA" sz="2400" dirty="0" err="1">
-                <a:solidFill>
-                  <a:schemeClr val="tx1">
-                    <a:lumMod val="65000"/>
-                    <a:lumOff val="35000"/>
-                  </a:schemeClr>
-                </a:solidFill>
-                <a:latin typeface="Calibri" pitchFamily="34" charset="0"/>
-                <a:cs typeface="Calibri" pitchFamily="34" charset="0"/>
-              </a:rPr>
-              <a:t>а</a:t>
-            </a:r>
-            <a:r>
-              <a:rPr lang="uk-UA" sz="2400" dirty="0" smtClean="0">
-                <a:solidFill>
-                  <a:schemeClr val="tx1">
-                    <a:lumMod val="65000"/>
-                    <a:lumOff val="35000"/>
-                  </a:schemeClr>
-                </a:solidFill>
-                <a:latin typeface="Calibri" pitchFamily="34" charset="0"/>
-                <a:cs typeface="Calibri" pitchFamily="34" charset="0"/>
-              </a:rPr>
-              <a:t> у системі</a:t>
+              <a:t>можливість прикріпити картку банку до акаунту у системі</a:t>
             </a:r>
             <a:r>
               <a:rPr lang="en-US" sz="2400" dirty="0" smtClean="0">
@@ -7626,7 +8065,7 @@
                 <a:latin typeface="Calibri" pitchFamily="34" charset="0"/>
                 <a:cs typeface="Calibri" pitchFamily="34" charset="0"/>
               </a:rPr>
-              <a:t>, для отримання службової інформації користувача, балансу користувача, оплати товарів.</a:t>
+              <a:t>, для отримання службової інформації користувача, балансу користувача, оплати товарів тощо.</a:t>
             </a:r>
             <a:endParaRPr lang="en-US" sz="2400" dirty="0" smtClean="0">
               <a:solidFill>
@@ -7663,7 +8102,7 @@
                 <a:latin typeface="Calibri" pitchFamily="34" charset="0"/>
                 <a:cs typeface="Calibri" pitchFamily="34" charset="0"/>
               </a:rPr>
-              <a:t>Для мобільного додатку передбачена наступна обов’язкова функціональність</a:t>
+              <a:t>Для мобільного додатку передбачена наступна функціональність</a:t>
             </a:r>
             <a:r>
               <a:rPr lang="en-US" sz="2400" dirty="0" smtClean="0">
@@ -7717,10 +8156,10 @@
                 <a:latin typeface="Calibri" pitchFamily="34" charset="0"/>
                 <a:cs typeface="Calibri" pitchFamily="34" charset="0"/>
               </a:rPr>
-              <a:t> </a:t>
-            </a:r>
-            <a:r>
-              <a:rPr lang="uk-UA" sz="2400" dirty="0" err="1" smtClean="0">
+              <a:t> автентифікація через </a:t>
+            </a:r>
+            <a:r>
+              <a:rPr lang="en-US" sz="2400" dirty="0" smtClean="0">
                 <a:solidFill>
                   <a:schemeClr val="tx1">
                     <a:lumMod val="65000"/>
@@ -7730,10 +8169,12 @@
                 <a:latin typeface="Calibri" pitchFamily="34" charset="0"/>
                 <a:cs typeface="Calibri" pitchFamily="34" charset="0"/>
               </a:rPr>
-              <a:t>автентифікація</a:t>
-            </a:r>
-            <a:r>
-              <a:rPr lang="uk-UA" sz="2400" dirty="0" smtClean="0">
+              <a:t>web api;</a:t>
+            </a:r>
+          </a:p>
+          <a:p>
+            <a:r>
+              <a:rPr lang="en-US" sz="2400" dirty="0">
                 <a:solidFill>
                   <a:schemeClr val="tx1">
                     <a:lumMod val="65000"/>
@@ -7743,7 +8184,7 @@
                 <a:latin typeface="Calibri" pitchFamily="34" charset="0"/>
                 <a:cs typeface="Calibri" pitchFamily="34" charset="0"/>
               </a:rPr>
-              <a:t> через </a:t>
+              <a:t>	</a:t>
             </a:r>
             <a:r>
               <a:rPr lang="en-US" sz="2400" dirty="0" smtClean="0">
@@ -7756,12 +8197,10 @@
                 <a:latin typeface="Calibri" pitchFamily="34" charset="0"/>
                 <a:cs typeface="Calibri" pitchFamily="34" charset="0"/>
               </a:rPr>
-              <a:t>web api;</a:t>
-            </a:r>
-          </a:p>
-          <a:p>
-            <a:r>
-              <a:rPr lang="en-US" sz="2400" dirty="0">
+              <a:t>- </a:t>
+            </a:r>
+            <a:r>
+              <a:rPr lang="uk-UA" sz="2400" dirty="0" smtClean="0">
                 <a:solidFill>
                   <a:schemeClr val="tx1">
                     <a:lumMod val="65000"/>
@@ -7771,7 +8210,7 @@
                 <a:latin typeface="Calibri" pitchFamily="34" charset="0"/>
                 <a:cs typeface="Calibri" pitchFamily="34" charset="0"/>
               </a:rPr>
-              <a:t>	</a:t>
+              <a:t>завантаження карток користувача через </a:t>
             </a:r>
             <a:r>
               <a:rPr lang="en-US" sz="2400" dirty="0" smtClean="0">
@@ -7784,7 +8223,7 @@
                 <a:latin typeface="Calibri" pitchFamily="34" charset="0"/>
                 <a:cs typeface="Calibri" pitchFamily="34" charset="0"/>
               </a:rPr>
-              <a:t>- </a:t>
+              <a:t>api </a:t>
             </a:r>
             <a:r>
               <a:rPr lang="uk-UA" sz="2400" dirty="0" smtClean="0">
@@ -7797,7 +8236,7 @@
                 <a:latin typeface="Calibri" pitchFamily="34" charset="0"/>
                 <a:cs typeface="Calibri" pitchFamily="34" charset="0"/>
               </a:rPr>
-              <a:t>завантаження карток користувача через </a:t>
+              <a:t>сторонніх сайтів банків</a:t>
             </a:r>
             <a:r>
               <a:rPr lang="en-US" sz="2400" dirty="0" smtClean="0">
@@ -7810,7 +8249,7 @@
                 <a:latin typeface="Calibri" pitchFamily="34" charset="0"/>
                 <a:cs typeface="Calibri" pitchFamily="34" charset="0"/>
               </a:rPr>
-              <a:t>api;</a:t>
+              <a:t>;</a:t>
             </a:r>
           </a:p>
           <a:p>
@@ -7919,11 +8358,45 @@
           </a:p>
         </p:txBody>
       </p:sp>
+      <p:sp>
+        <p:nvSpPr>
+          <p:cNvPr id="5" name="Номер слайда 4"/>
+          <p:cNvSpPr>
+            <a:spLocks noGrp="1"/>
+          </p:cNvSpPr>
+          <p:nvPr>
+            <p:ph type="sldNum" sz="quarter" idx="15"/>
+          </p:nvPr>
+        </p:nvSpPr>
+        <p:spPr/>
+        <p:txBody>
+          <a:bodyPr/>
+          <a:lstStyle/>
+          <a:p>
+            <a:fld id="{22324D31-0B21-45D2-B837-F185E0F17A78}" type="slidenum">
+              <a:rPr lang="ru-RU" smtClean="0"/>
+              <a:pPr/>
+              <a:t>4</a:t>
+            </a:fld>
+            <a:endParaRPr lang="ru-RU"/>
+          </a:p>
+        </p:txBody>
+      </p:sp>
     </p:spTree>
   </p:cSld>
   <p:clrMapOvr>
     <a:masterClrMapping/>
   </p:clrMapOvr>
+  <p:transition>
+    <p:pull dir="d"/>
+  </p:transition>
+  <p:timing>
+    <p:tnLst>
+      <p:par>
+        <p:cTn id="1" dur="indefinite" restart="never" nodeType="tmRoot"/>
+      </p:par>
+    </p:tnLst>
+  </p:timing>
 </p:sld>
 </file>
 
@@ -7994,445 +8467,303 @@
       </p:sp>
       <p:sp>
         <p:nvSpPr>
-          <p:cNvPr id="4" name="TextBox 3"/>
-          <p:cNvSpPr txBox="1"/>
+          <p:cNvPr id="5" name="Номер слайда 4"/>
+          <p:cNvSpPr>
+            <a:spLocks noGrp="1"/>
+          </p:cNvSpPr>
+          <p:nvPr>
+            <p:ph type="sldNum" sz="quarter" idx="15"/>
+          </p:nvPr>
+        </p:nvSpPr>
+        <p:spPr/>
+        <p:txBody>
+          <a:bodyPr/>
+          <a:lstStyle/>
+          <a:p>
+            <a:fld id="{22324D31-0B21-45D2-B837-F185E0F17A78}" type="slidenum">
+              <a:rPr lang="ru-RU" smtClean="0"/>
+              <a:pPr/>
+              <a:t>5</a:t>
+            </a:fld>
+            <a:endParaRPr lang="ru-RU"/>
+          </a:p>
+        </p:txBody>
+      </p:sp>
+      <p:pic>
+        <p:nvPicPr>
+          <p:cNvPr id="1026" name="Picture 2" descr="E:\Diploma\SmartMarket\Logos\.NET.jpg"/>
+          <p:cNvPicPr>
+            <a:picLocks noChangeAspect="1" noChangeArrowheads="1"/>
+          </p:cNvPicPr>
           <p:nvPr/>
-        </p:nvSpPr>
-        <p:spPr>
-          <a:xfrm>
-            <a:off x="539552" y="1484784"/>
-            <a:ext cx="6480720" cy="4062651"/>
+        </p:nvPicPr>
+        <p:blipFill>
+          <a:blip r:embed="rId2" cstate="print"/>
+          <a:srcRect/>
+          <a:stretch>
+            <a:fillRect/>
+          </a:stretch>
+        </p:blipFill>
+        <p:spPr bwMode="auto">
+          <a:xfrm>
+            <a:off x="179512" y="1395946"/>
+            <a:ext cx="2929259" cy="880926"/>
           </a:xfrm>
           <a:prstGeom prst="rect">
             <a:avLst/>
           </a:prstGeom>
           <a:noFill/>
         </p:spPr>
-        <p:txBody>
-          <a:bodyPr wrap="square" rtlCol="0">
-            <a:spAutoFit/>
-          </a:bodyPr>
-          <a:lstStyle/>
-          <a:p>
-            <a:r>
-              <a:rPr lang="uk-UA" sz="2400" dirty="0" smtClean="0">
-                <a:solidFill>
-                  <a:schemeClr val="tx1">
-                    <a:lumMod val="75000"/>
-                    <a:lumOff val="25000"/>
-                  </a:schemeClr>
-                </a:solidFill>
-                <a:latin typeface="Calibri" pitchFamily="34" charset="0"/>
-                <a:cs typeface="Calibri" pitchFamily="34" charset="0"/>
-              </a:rPr>
-              <a:t>	-</a:t>
-            </a:r>
-            <a:r>
-              <a:rPr lang="en-US" sz="2400" dirty="0" smtClean="0">
-                <a:solidFill>
-                  <a:schemeClr val="tx1">
-                    <a:lumMod val="75000"/>
-                    <a:lumOff val="25000"/>
-                  </a:schemeClr>
-                </a:solidFill>
-                <a:latin typeface="Calibri" pitchFamily="34" charset="0"/>
-                <a:cs typeface="Calibri" pitchFamily="34" charset="0"/>
-              </a:rPr>
-              <a:t> </a:t>
-            </a:r>
-            <a:r>
-              <a:rPr lang="en-US" sz="2400" dirty="0">
-                <a:solidFill>
-                  <a:schemeClr val="tx1">
-                    <a:lumMod val="75000"/>
-                    <a:lumOff val="25000"/>
-                  </a:schemeClr>
-                </a:solidFill>
-                <a:latin typeface="Calibri" pitchFamily="34" charset="0"/>
-                <a:cs typeface="Calibri" pitchFamily="34" charset="0"/>
-              </a:rPr>
-              <a:t>C</a:t>
-            </a:r>
-            <a:r>
-              <a:rPr lang="en-US" sz="2400" dirty="0" smtClean="0">
-                <a:solidFill>
-                  <a:schemeClr val="tx1">
-                    <a:lumMod val="75000"/>
-                    <a:lumOff val="25000"/>
-                  </a:schemeClr>
-                </a:solidFill>
-                <a:latin typeface="Calibri" pitchFamily="34" charset="0"/>
-                <a:cs typeface="Calibri" pitchFamily="34" charset="0"/>
-              </a:rPr>
-              <a:t># </a:t>
-            </a:r>
-            <a:r>
-              <a:rPr lang="uk-UA" sz="2400" dirty="0" smtClean="0">
-                <a:solidFill>
-                  <a:schemeClr val="tx1">
-                    <a:lumMod val="75000"/>
-                    <a:lumOff val="25000"/>
-                  </a:schemeClr>
-                </a:solidFill>
-                <a:latin typeface="Calibri" pitchFamily="34" charset="0"/>
-                <a:cs typeface="Calibri" pitchFamily="34" charset="0"/>
-              </a:rPr>
-              <a:t>та платформа</a:t>
-            </a:r>
-            <a:r>
-              <a:rPr lang="uk-UA" sz="2400" dirty="0">
-                <a:solidFill>
-                  <a:schemeClr val="tx1">
-                    <a:lumMod val="75000"/>
-                    <a:lumOff val="25000"/>
-                  </a:schemeClr>
-                </a:solidFill>
-                <a:latin typeface="Calibri" pitchFamily="34" charset="0"/>
-                <a:cs typeface="Calibri" pitchFamily="34" charset="0"/>
-              </a:rPr>
-              <a:t> </a:t>
-            </a:r>
-            <a:r>
-              <a:rPr lang="en-US" sz="2400" dirty="0" smtClean="0">
-                <a:solidFill>
-                  <a:schemeClr val="tx1">
-                    <a:lumMod val="75000"/>
-                    <a:lumOff val="25000"/>
-                  </a:schemeClr>
-                </a:solidFill>
-                <a:latin typeface="Calibri" pitchFamily="34" charset="0"/>
-                <a:cs typeface="Calibri" pitchFamily="34" charset="0"/>
-              </a:rPr>
-              <a:t>.NET Framework</a:t>
-            </a:r>
-            <a:endParaRPr lang="uk-UA" sz="2400" dirty="0" smtClean="0">
-              <a:solidFill>
-                <a:schemeClr val="tx1">
-                  <a:lumMod val="75000"/>
-                  <a:lumOff val="25000"/>
-                </a:schemeClr>
-              </a:solidFill>
-              <a:latin typeface="Calibri" pitchFamily="34" charset="0"/>
-              <a:cs typeface="Calibri" pitchFamily="34" charset="0"/>
-            </a:endParaRPr>
-          </a:p>
-          <a:p>
-            <a:r>
-              <a:rPr lang="uk-UA" sz="2400" dirty="0">
-                <a:solidFill>
-                  <a:schemeClr val="tx1">
-                    <a:lumMod val="75000"/>
-                    <a:lumOff val="25000"/>
-                  </a:schemeClr>
-                </a:solidFill>
-                <a:latin typeface="Calibri" pitchFamily="34" charset="0"/>
-                <a:cs typeface="Calibri" pitchFamily="34" charset="0"/>
-              </a:rPr>
-              <a:t>	</a:t>
-            </a:r>
-            <a:r>
-              <a:rPr lang="uk-UA" sz="2400" dirty="0" smtClean="0">
-                <a:solidFill>
-                  <a:schemeClr val="tx1">
-                    <a:lumMod val="75000"/>
-                    <a:lumOff val="25000"/>
-                  </a:schemeClr>
-                </a:solidFill>
-                <a:latin typeface="Calibri" pitchFamily="34" charset="0"/>
-                <a:cs typeface="Calibri" pitchFamily="34" charset="0"/>
-              </a:rPr>
-              <a:t>- </a:t>
-            </a:r>
-            <a:r>
-              <a:rPr lang="en-US" sz="2400" dirty="0" smtClean="0">
-                <a:solidFill>
-                  <a:schemeClr val="tx1">
-                    <a:lumMod val="75000"/>
-                    <a:lumOff val="25000"/>
-                  </a:schemeClr>
-                </a:solidFill>
-                <a:latin typeface="Calibri" pitchFamily="34" charset="0"/>
-                <a:cs typeface="Calibri" pitchFamily="34" charset="0"/>
-              </a:rPr>
-              <a:t>ASP.NET MVC 5</a:t>
-            </a:r>
-          </a:p>
-          <a:p>
-            <a:r>
-              <a:rPr lang="en-US" sz="2400" dirty="0">
-                <a:solidFill>
-                  <a:schemeClr val="tx1">
-                    <a:lumMod val="75000"/>
-                    <a:lumOff val="25000"/>
-                  </a:schemeClr>
-                </a:solidFill>
-                <a:latin typeface="Calibri" pitchFamily="34" charset="0"/>
-                <a:cs typeface="Calibri" pitchFamily="34" charset="0"/>
-              </a:rPr>
-              <a:t>	</a:t>
-            </a:r>
-            <a:r>
-              <a:rPr lang="en-US" sz="2400" dirty="0" smtClean="0">
-                <a:solidFill>
-                  <a:schemeClr val="tx1">
-                    <a:lumMod val="75000"/>
-                    <a:lumOff val="25000"/>
-                  </a:schemeClr>
-                </a:solidFill>
-                <a:latin typeface="Calibri" pitchFamily="34" charset="0"/>
-                <a:cs typeface="Calibri" pitchFamily="34" charset="0"/>
-              </a:rPr>
-              <a:t>- WEB API</a:t>
-            </a:r>
-          </a:p>
-          <a:p>
-            <a:r>
-              <a:rPr lang="en-US" sz="2400" dirty="0">
-                <a:solidFill>
-                  <a:schemeClr val="tx1">
-                    <a:lumMod val="75000"/>
-                    <a:lumOff val="25000"/>
-                  </a:schemeClr>
-                </a:solidFill>
-                <a:latin typeface="Calibri" pitchFamily="34" charset="0"/>
-                <a:cs typeface="Calibri" pitchFamily="34" charset="0"/>
-              </a:rPr>
-              <a:t>	</a:t>
-            </a:r>
-            <a:r>
-              <a:rPr lang="en-US" sz="2400" dirty="0" smtClean="0">
-                <a:solidFill>
-                  <a:schemeClr val="tx1">
-                    <a:lumMod val="75000"/>
-                    <a:lumOff val="25000"/>
-                  </a:schemeClr>
-                </a:solidFill>
-                <a:latin typeface="Calibri" pitchFamily="34" charset="0"/>
-                <a:cs typeface="Calibri" pitchFamily="34" charset="0"/>
-              </a:rPr>
-              <a:t>- Entity Framework 6</a:t>
-            </a:r>
-          </a:p>
-          <a:p>
-            <a:r>
-              <a:rPr lang="en-US" sz="2400" dirty="0">
-                <a:solidFill>
-                  <a:schemeClr val="tx1">
-                    <a:lumMod val="75000"/>
-                    <a:lumOff val="25000"/>
-                  </a:schemeClr>
-                </a:solidFill>
-                <a:latin typeface="Calibri" pitchFamily="34" charset="0"/>
-                <a:cs typeface="Calibri" pitchFamily="34" charset="0"/>
-              </a:rPr>
-              <a:t>	</a:t>
-            </a:r>
-            <a:r>
-              <a:rPr lang="en-US" sz="2400" dirty="0" smtClean="0">
-                <a:solidFill>
-                  <a:schemeClr val="tx1">
-                    <a:lumMod val="75000"/>
-                    <a:lumOff val="25000"/>
-                  </a:schemeClr>
-                </a:solidFill>
-                <a:latin typeface="Calibri" pitchFamily="34" charset="0"/>
-                <a:cs typeface="Calibri" pitchFamily="34" charset="0"/>
-              </a:rPr>
-              <a:t>- Automapper</a:t>
-            </a:r>
-          </a:p>
-          <a:p>
-            <a:r>
-              <a:rPr lang="en-US" sz="2400" dirty="0">
-                <a:solidFill>
-                  <a:schemeClr val="tx1">
-                    <a:lumMod val="75000"/>
-                    <a:lumOff val="25000"/>
-                  </a:schemeClr>
-                </a:solidFill>
-                <a:latin typeface="Calibri" pitchFamily="34" charset="0"/>
-                <a:cs typeface="Calibri" pitchFamily="34" charset="0"/>
-              </a:rPr>
-              <a:t>	</a:t>
-            </a:r>
-            <a:r>
-              <a:rPr lang="en-US" sz="2400" dirty="0" smtClean="0">
-                <a:solidFill>
-                  <a:schemeClr val="tx1">
-                    <a:lumMod val="75000"/>
-                    <a:lumOff val="25000"/>
-                  </a:schemeClr>
-                </a:solidFill>
-                <a:latin typeface="Calibri" pitchFamily="34" charset="0"/>
-                <a:cs typeface="Calibri" pitchFamily="34" charset="0"/>
-              </a:rPr>
-              <a:t>- NLogger</a:t>
-            </a:r>
-          </a:p>
-          <a:p>
-            <a:r>
-              <a:rPr lang="en-US" sz="2400" dirty="0">
-                <a:solidFill>
-                  <a:schemeClr val="tx1">
-                    <a:lumMod val="75000"/>
-                    <a:lumOff val="25000"/>
-                  </a:schemeClr>
-                </a:solidFill>
-                <a:latin typeface="Calibri" pitchFamily="34" charset="0"/>
-                <a:cs typeface="Calibri" pitchFamily="34" charset="0"/>
-              </a:rPr>
-              <a:t>	</a:t>
-            </a:r>
-            <a:r>
-              <a:rPr lang="en-US" sz="2400" dirty="0" smtClean="0">
-                <a:solidFill>
-                  <a:schemeClr val="tx1">
-                    <a:lumMod val="75000"/>
-                    <a:lumOff val="25000"/>
-                  </a:schemeClr>
-                </a:solidFill>
-                <a:latin typeface="Calibri" pitchFamily="34" charset="0"/>
-                <a:cs typeface="Calibri" pitchFamily="34" charset="0"/>
-              </a:rPr>
-              <a:t>- Git </a:t>
-            </a:r>
-            <a:r>
-              <a:rPr lang="uk-UA" sz="2400" dirty="0" smtClean="0">
-                <a:solidFill>
-                  <a:schemeClr val="tx1">
-                    <a:lumMod val="75000"/>
-                    <a:lumOff val="25000"/>
-                  </a:schemeClr>
-                </a:solidFill>
-                <a:latin typeface="Calibri" pitchFamily="34" charset="0"/>
-                <a:cs typeface="Calibri" pitchFamily="34" charset="0"/>
-              </a:rPr>
-              <a:t>та</a:t>
-            </a:r>
-            <a:r>
-              <a:rPr lang="en-US" sz="2400" dirty="0" smtClean="0">
-                <a:solidFill>
-                  <a:schemeClr val="tx1">
-                    <a:lumMod val="75000"/>
-                    <a:lumOff val="25000"/>
-                  </a:schemeClr>
-                </a:solidFill>
-                <a:latin typeface="Calibri" pitchFamily="34" charset="0"/>
-                <a:cs typeface="Calibri" pitchFamily="34" charset="0"/>
-              </a:rPr>
-              <a:t> TortoiseGit</a:t>
-            </a:r>
-          </a:p>
-          <a:p>
-            <a:r>
-              <a:rPr lang="en-US" sz="2400" dirty="0">
-                <a:solidFill>
-                  <a:schemeClr val="tx1">
-                    <a:lumMod val="75000"/>
-                    <a:lumOff val="25000"/>
-                  </a:schemeClr>
-                </a:solidFill>
-                <a:latin typeface="Calibri" pitchFamily="34" charset="0"/>
-                <a:cs typeface="Calibri" pitchFamily="34" charset="0"/>
-              </a:rPr>
-              <a:t>	</a:t>
-            </a:r>
-            <a:r>
-              <a:rPr lang="en-US" sz="2400" dirty="0" smtClean="0">
-                <a:solidFill>
-                  <a:schemeClr val="tx1">
-                    <a:lumMod val="75000"/>
-                    <a:lumOff val="25000"/>
-                  </a:schemeClr>
-                </a:solidFill>
-                <a:latin typeface="Calibri" pitchFamily="34" charset="0"/>
-                <a:cs typeface="Calibri" pitchFamily="34" charset="0"/>
-              </a:rPr>
-              <a:t>- HTML5, CSS, Javascript</a:t>
-            </a:r>
-          </a:p>
-          <a:p>
-            <a:r>
-              <a:rPr lang="en-US" sz="2400" dirty="0">
-                <a:solidFill>
-                  <a:schemeClr val="tx1">
-                    <a:lumMod val="75000"/>
-                    <a:lumOff val="25000"/>
-                  </a:schemeClr>
-                </a:solidFill>
-                <a:latin typeface="Calibri" pitchFamily="34" charset="0"/>
-                <a:cs typeface="Calibri" pitchFamily="34" charset="0"/>
-              </a:rPr>
-              <a:t>	</a:t>
-            </a:r>
-            <a:r>
-              <a:rPr lang="en-US" sz="2400" dirty="0" smtClean="0">
-                <a:solidFill>
-                  <a:schemeClr val="tx1">
-                    <a:lumMod val="75000"/>
-                    <a:lumOff val="25000"/>
-                  </a:schemeClr>
-                </a:solidFill>
-                <a:latin typeface="Calibri" pitchFamily="34" charset="0"/>
-                <a:cs typeface="Calibri" pitchFamily="34" charset="0"/>
-              </a:rPr>
-              <a:t>- MSSQL Server 2014</a:t>
-            </a:r>
-          </a:p>
-          <a:p>
-            <a:r>
-              <a:rPr lang="en-US" sz="2400" dirty="0">
-                <a:solidFill>
-                  <a:schemeClr val="tx1">
-                    <a:lumMod val="75000"/>
-                    <a:lumOff val="25000"/>
-                  </a:schemeClr>
-                </a:solidFill>
-                <a:latin typeface="Calibri" pitchFamily="34" charset="0"/>
-                <a:cs typeface="Calibri" pitchFamily="34" charset="0"/>
-              </a:rPr>
-              <a:t>	</a:t>
-            </a:r>
-            <a:r>
-              <a:rPr lang="en-US" sz="2400" dirty="0" smtClean="0">
-                <a:solidFill>
-                  <a:schemeClr val="tx1">
-                    <a:lumMod val="75000"/>
-                    <a:lumOff val="25000"/>
-                  </a:schemeClr>
-                </a:solidFill>
-                <a:latin typeface="Calibri" pitchFamily="34" charset="0"/>
-                <a:cs typeface="Calibri" pitchFamily="34" charset="0"/>
-              </a:rPr>
-              <a:t>- OAuth 2.0</a:t>
-            </a:r>
-            <a:endParaRPr lang="en-US" dirty="0" smtClean="0">
-              <a:solidFill>
-                <a:schemeClr val="tx1">
-                  <a:lumMod val="65000"/>
-                  <a:lumOff val="35000"/>
-                </a:schemeClr>
-              </a:solidFill>
-            </a:endParaRPr>
-          </a:p>
-          <a:p>
-            <a:r>
-              <a:rPr lang="en-US" dirty="0"/>
-              <a:t>	</a:t>
-            </a:r>
-            <a:r>
-              <a:rPr lang="en-US" dirty="0" smtClean="0"/>
-              <a:t>- </a:t>
-            </a:r>
-            <a:endParaRPr lang="ru-RU" dirty="0"/>
-          </a:p>
-        </p:txBody>
-      </p:sp>
+      </p:pic>
+      <p:pic>
+        <p:nvPicPr>
+          <p:cNvPr id="1027" name="Picture 3" descr="E:\Diploma\SmartMarket\Logos\C-sharp.jpg"/>
+          <p:cNvPicPr>
+            <a:picLocks noChangeAspect="1" noChangeArrowheads="1"/>
+          </p:cNvPicPr>
+          <p:nvPr/>
+        </p:nvPicPr>
+        <p:blipFill>
+          <a:blip r:embed="rId3" cstate="print"/>
+          <a:srcRect/>
+          <a:stretch>
+            <a:fillRect/>
+          </a:stretch>
+        </p:blipFill>
+        <p:spPr bwMode="auto">
+          <a:xfrm>
+            <a:off x="3563888" y="316632"/>
+            <a:ext cx="2857500" cy="1600200"/>
+          </a:xfrm>
+          <a:prstGeom prst="rect">
+            <a:avLst/>
+          </a:prstGeom>
+          <a:noFill/>
+        </p:spPr>
+      </p:pic>
+      <p:pic>
+        <p:nvPicPr>
+          <p:cNvPr id="1028" name="Picture 4" descr="E:\Diploma\SmartMarket\Logos\EF.jpg"/>
+          <p:cNvPicPr>
+            <a:picLocks noChangeAspect="1" noChangeArrowheads="1"/>
+          </p:cNvPicPr>
+          <p:nvPr/>
+        </p:nvPicPr>
+        <p:blipFill>
+          <a:blip r:embed="rId4" cstate="print"/>
+          <a:srcRect/>
+          <a:stretch>
+            <a:fillRect/>
+          </a:stretch>
+        </p:blipFill>
+        <p:spPr bwMode="auto">
+          <a:xfrm>
+            <a:off x="323528" y="2492896"/>
+            <a:ext cx="2649215" cy="1446611"/>
+          </a:xfrm>
+          <a:prstGeom prst="rect">
+            <a:avLst/>
+          </a:prstGeom>
+          <a:noFill/>
+        </p:spPr>
+      </p:pic>
+      <p:pic>
+        <p:nvPicPr>
+          <p:cNvPr id="1030" name="Picture 6" descr="E:\Diploma\SmartMarket\Logos\GitHub.png"/>
+          <p:cNvPicPr>
+            <a:picLocks noChangeAspect="1" noChangeArrowheads="1"/>
+          </p:cNvPicPr>
+          <p:nvPr/>
+        </p:nvPicPr>
+        <p:blipFill>
+          <a:blip r:embed="rId5" cstate="print"/>
+          <a:srcRect/>
+          <a:stretch>
+            <a:fillRect/>
+          </a:stretch>
+        </p:blipFill>
+        <p:spPr bwMode="auto">
+          <a:xfrm>
+            <a:off x="6533331" y="61739"/>
+            <a:ext cx="2143125" cy="2143125"/>
+          </a:xfrm>
+          <a:prstGeom prst="rect">
+            <a:avLst/>
+          </a:prstGeom>
+          <a:noFill/>
+        </p:spPr>
+      </p:pic>
+      <p:pic>
+        <p:nvPicPr>
+          <p:cNvPr id="1031" name="Picture 7" descr="E:\Diploma\SmartMarket\Logos\SQL Server.png"/>
+          <p:cNvPicPr>
+            <a:picLocks noChangeAspect="1" noChangeArrowheads="1"/>
+          </p:cNvPicPr>
+          <p:nvPr/>
+        </p:nvPicPr>
+        <p:blipFill>
+          <a:blip r:embed="rId6" cstate="print"/>
+          <a:srcRect/>
+          <a:stretch>
+            <a:fillRect/>
+          </a:stretch>
+        </p:blipFill>
+        <p:spPr bwMode="auto">
+          <a:xfrm>
+            <a:off x="6871270" y="3396744"/>
+            <a:ext cx="1733178" cy="1400408"/>
+          </a:xfrm>
+          <a:prstGeom prst="rect">
+            <a:avLst/>
+          </a:prstGeom>
+          <a:noFill/>
+        </p:spPr>
+      </p:pic>
+      <p:pic>
+        <p:nvPicPr>
+          <p:cNvPr id="1032" name="Picture 8" descr="E:\Diploma\SmartMarket\Logos\Visual Studio.png"/>
+          <p:cNvPicPr>
+            <a:picLocks noChangeAspect="1" noChangeArrowheads="1"/>
+          </p:cNvPicPr>
+          <p:nvPr/>
+        </p:nvPicPr>
+        <p:blipFill>
+          <a:blip r:embed="rId7" cstate="print"/>
+          <a:srcRect/>
+          <a:stretch>
+            <a:fillRect/>
+          </a:stretch>
+        </p:blipFill>
+        <p:spPr bwMode="auto">
+          <a:xfrm>
+            <a:off x="666775" y="4365104"/>
+            <a:ext cx="2105025" cy="2171700"/>
+          </a:xfrm>
+          <a:prstGeom prst="rect">
+            <a:avLst/>
+          </a:prstGeom>
+          <a:noFill/>
+        </p:spPr>
+      </p:pic>
+      <p:pic>
+        <p:nvPicPr>
+          <p:cNvPr id="1033" name="Picture 9" descr="E:\Diploma\SmartMarket\Logos\Xamarin.png"/>
+          <p:cNvPicPr>
+            <a:picLocks noChangeAspect="1" noChangeArrowheads="1"/>
+          </p:cNvPicPr>
+          <p:nvPr/>
+        </p:nvPicPr>
+        <p:blipFill>
+          <a:blip r:embed="rId8" cstate="print"/>
+          <a:srcRect/>
+          <a:stretch>
+            <a:fillRect/>
+          </a:stretch>
+        </p:blipFill>
+        <p:spPr bwMode="auto">
+          <a:xfrm>
+            <a:off x="4723209" y="5301208"/>
+            <a:ext cx="3305175" cy="1381125"/>
+          </a:xfrm>
+          <a:prstGeom prst="rect">
+            <a:avLst/>
+          </a:prstGeom>
+          <a:noFill/>
+        </p:spPr>
+      </p:pic>
+      <p:pic>
+        <p:nvPicPr>
+          <p:cNvPr id="1034" name="Picture 10" descr="E:\Diploma\SmartMarket\Logos\Front-end.png"/>
+          <p:cNvPicPr>
+            <a:picLocks noChangeAspect="1" noChangeArrowheads="1"/>
+          </p:cNvPicPr>
+          <p:nvPr/>
+        </p:nvPicPr>
+        <p:blipFill>
+          <a:blip r:embed="rId9" cstate="print"/>
+          <a:srcRect/>
+          <a:stretch>
+            <a:fillRect/>
+          </a:stretch>
+        </p:blipFill>
+        <p:spPr bwMode="auto">
+          <a:xfrm>
+            <a:off x="3131840" y="2420888"/>
+            <a:ext cx="3467100" cy="1314450"/>
+          </a:xfrm>
+          <a:prstGeom prst="rect">
+            <a:avLst/>
+          </a:prstGeom>
+          <a:noFill/>
+        </p:spPr>
+      </p:pic>
+      <p:pic>
+        <p:nvPicPr>
+          <p:cNvPr id="1035" name="Picture 11" descr="E:\Diploma\SmartMarket\Logos\Jquery.png"/>
+          <p:cNvPicPr>
+            <a:picLocks noChangeAspect="1" noChangeArrowheads="1"/>
+          </p:cNvPicPr>
+          <p:nvPr/>
+        </p:nvPicPr>
+        <p:blipFill>
+          <a:blip r:embed="rId10" cstate="print"/>
+          <a:srcRect/>
+          <a:stretch>
+            <a:fillRect/>
+          </a:stretch>
+        </p:blipFill>
+        <p:spPr bwMode="auto">
+          <a:xfrm>
+            <a:off x="6948264" y="2060848"/>
+            <a:ext cx="1673460" cy="1253480"/>
+          </a:xfrm>
+          <a:prstGeom prst="rect">
+            <a:avLst/>
+          </a:prstGeom>
+          <a:noFill/>
+        </p:spPr>
+      </p:pic>
+      <p:pic>
+        <p:nvPicPr>
+          <p:cNvPr id="1036" name="Picture 12" descr="E:\Diploma\SmartMarket\Logos\Git.png"/>
+          <p:cNvPicPr>
+            <a:picLocks noChangeAspect="1" noChangeArrowheads="1"/>
+          </p:cNvPicPr>
+          <p:nvPr/>
+        </p:nvPicPr>
+        <p:blipFill>
+          <a:blip r:embed="rId11" cstate="print"/>
+          <a:srcRect/>
+          <a:stretch>
+            <a:fillRect/>
+          </a:stretch>
+        </p:blipFill>
+        <p:spPr bwMode="auto">
+          <a:xfrm>
+            <a:off x="3275856" y="4077072"/>
+            <a:ext cx="2705100" cy="1685925"/>
+          </a:xfrm>
+          <a:prstGeom prst="rect">
+            <a:avLst/>
+          </a:prstGeom>
+          <a:noFill/>
+        </p:spPr>
+      </p:pic>
     </p:spTree>
   </p:cSld>
   <p:clrMapOvr>
     <a:masterClrMapping/>
   </p:clrMapOvr>
+  <p:transition>
+    <p:wedge/>
+  </p:transition>
+  <p:timing>
+    <p:tnLst>
+      <p:par>
+        <p:cTn id="1" dur="indefinite" restart="never" nodeType="tmRoot"/>
+      </p:par>
+    </p:tnLst>
+  </p:timing>
 </p:sld>
 </file>
 
@@ -8514,9 +8845,33 @@
           </a:p>
         </p:txBody>
       </p:sp>
+      <p:sp>
+        <p:nvSpPr>
+          <p:cNvPr id="4" name="Номер слайда 3"/>
+          <p:cNvSpPr>
+            <a:spLocks noGrp="1"/>
+          </p:cNvSpPr>
+          <p:nvPr>
+            <p:ph type="sldNum" sz="quarter" idx="15"/>
+          </p:nvPr>
+        </p:nvSpPr>
+        <p:spPr/>
+        <p:txBody>
+          <a:bodyPr/>
+          <a:lstStyle/>
+          <a:p>
+            <a:fld id="{22324D31-0B21-45D2-B837-F185E0F17A78}" type="slidenum">
+              <a:rPr lang="ru-RU" smtClean="0"/>
+              <a:pPr/>
+              <a:t>6</a:t>
+            </a:fld>
+            <a:endParaRPr lang="ru-RU"/>
+          </a:p>
+        </p:txBody>
+      </p:sp>
       <p:pic>
         <p:nvPicPr>
-          <p:cNvPr id="1026" name="Picture 2" descr="C:\Users\Pasha\Desktop\1.jpg"/>
+          <p:cNvPr id="2" name="Picture 2" descr="E:\Diploma\SmartMarket\Pictures\User Case.jpg"/>
           <p:cNvPicPr>
             <a:picLocks noChangeAspect="1" noChangeArrowheads="1"/>
           </p:cNvPicPr>
@@ -8531,8 +8886,8 @@
         </p:blipFill>
         <p:spPr bwMode="auto">
           <a:xfrm>
-            <a:off x="323528" y="47615"/>
-            <a:ext cx="8424936" cy="5687457"/>
+            <a:off x="251520" y="44624"/>
+            <a:ext cx="8424936" cy="5641700"/>
           </a:xfrm>
           <a:prstGeom prst="rect">
             <a:avLst/>
@@ -8545,6 +8900,16 @@
   <p:clrMapOvr>
     <a:masterClrMapping/>
   </p:clrMapOvr>
+  <p:transition>
+    <p:wipe/>
+  </p:transition>
+  <p:timing>
+    <p:tnLst>
+      <p:par>
+        <p:cTn id="1" dur="indefinite" restart="never" nodeType="tmRoot"/>
+      </p:par>
+    </p:tnLst>
+  </p:timing>
 </p:sld>
 </file>
 
@@ -8565,9 +8930,81 @@
           <a:chExt cx="0" cy="0"/>
         </a:xfrm>
       </p:grpSpPr>
+      <p:sp>
+        <p:nvSpPr>
+          <p:cNvPr id="5" name="TextBox 4"/>
+          <p:cNvSpPr txBox="1"/>
+          <p:nvPr/>
+        </p:nvSpPr>
+        <p:spPr>
+          <a:xfrm>
+            <a:off x="107504" y="5805264"/>
+            <a:ext cx="3292055" cy="584775"/>
+          </a:xfrm>
+          <a:prstGeom prst="rect">
+            <a:avLst/>
+          </a:prstGeom>
+          <a:noFill/>
+        </p:spPr>
+        <p:txBody>
+          <a:bodyPr wrap="none" rtlCol="0">
+            <a:spAutoFit/>
+          </a:bodyPr>
+          <a:lstStyle/>
+          <a:p>
+            <a:r>
+              <a:rPr lang="uk-UA" sz="3200" dirty="0" smtClean="0">
+                <a:solidFill>
+                  <a:schemeClr val="tx1">
+                    <a:lumMod val="65000"/>
+                    <a:lumOff val="35000"/>
+                  </a:schemeClr>
+                </a:solidFill>
+                <a:latin typeface="Calibri" pitchFamily="34" charset="0"/>
+                <a:cs typeface="Calibri" pitchFamily="34" charset="0"/>
+              </a:rPr>
+              <a:t>Схема бази даних</a:t>
+            </a:r>
+            <a:endParaRPr lang="uk-UA" sz="3200" dirty="0">
+              <a:solidFill>
+                <a:schemeClr val="tx1">
+                  <a:lumMod val="65000"/>
+                  <a:lumOff val="35000"/>
+                </a:schemeClr>
+              </a:solidFill>
+              <a:latin typeface="Calibri" pitchFamily="34" charset="0"/>
+              <a:cs typeface="Calibri" pitchFamily="34" charset="0"/>
+            </a:endParaRPr>
+          </a:p>
+        </p:txBody>
+      </p:sp>
+      <p:sp>
+        <p:nvSpPr>
+          <p:cNvPr id="4" name="Номер слайда 3"/>
+          <p:cNvSpPr>
+            <a:spLocks noGrp="1"/>
+          </p:cNvSpPr>
+          <p:nvPr>
+            <p:ph type="sldNum" sz="quarter" idx="15"/>
+          </p:nvPr>
+        </p:nvSpPr>
+        <p:spPr/>
+        <p:txBody>
+          <a:bodyPr/>
+          <a:lstStyle/>
+          <a:p>
+            <a:fld id="{22324D31-0B21-45D2-B837-F185E0F17A78}" type="slidenum">
+              <a:rPr lang="ru-RU" smtClean="0"/>
+              <a:pPr/>
+              <a:t>7</a:t>
+            </a:fld>
+            <a:endParaRPr lang="ru-RU" dirty="0"/>
+          </a:p>
+        </p:txBody>
+      </p:sp>
       <p:pic>
         <p:nvPicPr>
-          <p:cNvPr id="1026" name="Picture 2"/>
+          <p:cNvPr id="2050" name="Picture 2" descr="E:\Diploma\SmartMarket\Pictures\Shema.jpg"/>
           <p:cNvPicPr>
             <a:picLocks noChangeAspect="1" noChangeArrowheads="1"/>
           </p:cNvPicPr>
@@ -8582,74 +9019,30 @@
         </p:blipFill>
         <p:spPr bwMode="auto">
           <a:xfrm>
-            <a:off x="-1674995" y="-27384"/>
-            <a:ext cx="10818995" cy="6858000"/>
+            <a:off x="1" y="-27384"/>
+            <a:ext cx="9144000" cy="5111058"/>
           </a:xfrm>
           <a:prstGeom prst="rect">
             <a:avLst/>
           </a:prstGeom>
           <a:noFill/>
-          <a:ln w="9525">
-            <a:noFill/>
-            <a:miter lim="800000"/>
-            <a:headEnd/>
-            <a:tailEnd/>
-          </a:ln>
         </p:spPr>
       </p:pic>
-      <p:sp>
-        <p:nvSpPr>
-          <p:cNvPr id="5" name="TextBox 4"/>
-          <p:cNvSpPr txBox="1"/>
-          <p:nvPr/>
-        </p:nvSpPr>
-        <p:spPr>
-          <a:xfrm>
-            <a:off x="-1548680" y="2060848"/>
-            <a:ext cx="3292055" cy="584775"/>
-          </a:xfrm>
-          <a:prstGeom prst="rect">
-            <a:avLst/>
-          </a:prstGeom>
-          <a:noFill/>
-        </p:spPr>
-        <p:txBody>
-          <a:bodyPr wrap="none" rtlCol="0">
-            <a:spAutoFit/>
-          </a:bodyPr>
-          <a:lstStyle/>
-          <a:p>
-            <a:r>
-              <a:rPr lang="uk-UA" sz="3200" dirty="0" smtClean="0">
-                <a:solidFill>
-                  <a:schemeClr val="tx1">
-                    <a:lumMod val="65000"/>
-                    <a:lumOff val="35000"/>
-                  </a:schemeClr>
-                </a:solidFill>
-                <a:latin typeface="Calibri" pitchFamily="34" charset="0"/>
-                <a:cs typeface="Calibri" pitchFamily="34" charset="0"/>
-              </a:rPr>
-              <a:t>Схема бази даних</a:t>
-            </a:r>
-            <a:endParaRPr lang="uk-UA" sz="3200" dirty="0">
-              <a:solidFill>
-                <a:schemeClr val="tx1">
-                  <a:lumMod val="65000"/>
-                  <a:lumOff val="35000"/>
-                </a:schemeClr>
-              </a:solidFill>
-              <a:latin typeface="Calibri" pitchFamily="34" charset="0"/>
-              <a:cs typeface="Calibri" pitchFamily="34" charset="0"/>
-            </a:endParaRPr>
-          </a:p>
-        </p:txBody>
-      </p:sp>
     </p:spTree>
   </p:cSld>
   <p:clrMapOvr>
     <a:masterClrMapping/>
   </p:clrMapOvr>
+  <p:transition>
+    <p:wipe dir="r"/>
+  </p:transition>
+  <p:timing>
+    <p:tnLst>
+      <p:par>
+        <p:cTn id="1" dur="indefinite" restart="never" nodeType="tmRoot"/>
+      </p:par>
+    </p:tnLst>
+  </p:timing>
 </p:sld>
 </file>
 
@@ -8685,8 +9078,8 @@
         </p:blipFill>
         <p:spPr bwMode="auto">
           <a:xfrm>
-            <a:off x="-1332656" y="0"/>
-            <a:ext cx="10476656" cy="7029400"/>
+            <a:off x="216024" y="-27384"/>
+            <a:ext cx="8604448" cy="5688632"/>
           </a:xfrm>
           <a:prstGeom prst="rect">
             <a:avLst/>
@@ -8712,8 +9105,8 @@
         </p:nvSpPr>
         <p:spPr>
           <a:xfrm>
-            <a:off x="-1188640" y="5301208"/>
-            <a:ext cx="6419056" cy="908720"/>
+            <a:off x="179512" y="4149080"/>
+            <a:ext cx="5508104" cy="2088232"/>
           </a:xfrm>
         </p:spPr>
         <p:txBody>
@@ -8761,11 +9154,45 @@
           </a:p>
         </p:txBody>
       </p:sp>
+      <p:sp>
+        <p:nvSpPr>
+          <p:cNvPr id="4" name="Номер слайда 3"/>
+          <p:cNvSpPr>
+            <a:spLocks noGrp="1"/>
+          </p:cNvSpPr>
+          <p:nvPr>
+            <p:ph type="sldNum" sz="quarter" idx="15"/>
+          </p:nvPr>
+        </p:nvSpPr>
+        <p:spPr/>
+        <p:txBody>
+          <a:bodyPr/>
+          <a:lstStyle/>
+          <a:p>
+            <a:fld id="{22324D31-0B21-45D2-B837-F185E0F17A78}" type="slidenum">
+              <a:rPr lang="ru-RU" smtClean="0"/>
+              <a:pPr/>
+              <a:t>8</a:t>
+            </a:fld>
+            <a:endParaRPr lang="ru-RU"/>
+          </a:p>
+        </p:txBody>
+      </p:sp>
     </p:spTree>
   </p:cSld>
   <p:clrMapOvr>
     <a:masterClrMapping/>
   </p:clrMapOvr>
+  <p:transition>
+    <p:wipe dir="r"/>
+  </p:transition>
+  <p:timing>
+    <p:tnLst>
+      <p:par>
+        <p:cTn id="1" dur="indefinite" restart="never" nodeType="tmRoot"/>
+      </p:par>
+    </p:tnLst>
+  </p:timing>
 </p:sld>
 </file>
 
@@ -8786,56 +9213,6 @@
           <a:chExt cx="0" cy="0"/>
         </a:xfrm>
       </p:grpSpPr>
-      <p:sp>
-        <p:nvSpPr>
-          <p:cNvPr id="2" name="Заголовок 1"/>
-          <p:cNvSpPr>
-            <a:spLocks noGrp="1"/>
-          </p:cNvSpPr>
-          <p:nvPr>
-            <p:ph type="title"/>
-          </p:nvPr>
-        </p:nvSpPr>
-        <p:spPr>
-          <a:xfrm>
-            <a:off x="323528" y="116632"/>
-            <a:ext cx="7467600" cy="580926"/>
-          </a:xfrm>
-        </p:spPr>
-        <p:txBody>
-          <a:bodyPr>
-            <a:noAutofit/>
-          </a:bodyPr>
-          <a:lstStyle/>
-          <a:p>
-            <a:r>
-              <a:rPr lang="uk-UA" sz="2400" dirty="0" smtClean="0">
-                <a:latin typeface="Calibri" pitchFamily="34" charset="0"/>
-                <a:cs typeface="Calibri" pitchFamily="34" charset="0"/>
-              </a:rPr>
-              <a:t>Приклад коду з програми (реалізація патерну </a:t>
-            </a:r>
-            <a:r>
-              <a:rPr lang="en-US" sz="2400" dirty="0" smtClean="0">
-                <a:latin typeface="Calibri" pitchFamily="34" charset="0"/>
-                <a:cs typeface="Calibri" pitchFamily="34" charset="0"/>
-              </a:rPr>
-              <a:t>Unit of work</a:t>
-            </a:r>
-            <a:r>
-              <a:rPr lang="uk-UA" sz="2400" dirty="0" smtClean="0">
-                <a:latin typeface="Calibri" pitchFamily="34" charset="0"/>
-                <a:cs typeface="Calibri" pitchFamily="34" charset="0"/>
-              </a:rPr>
-              <a:t>)</a:t>
-            </a:r>
-            <a:endParaRPr lang="ru-RU" sz="2400" dirty="0">
-              <a:latin typeface="Calibri" pitchFamily="34" charset="0"/>
-              <a:cs typeface="Calibri" pitchFamily="34" charset="0"/>
-            </a:endParaRPr>
-          </a:p>
-        </p:txBody>
-      </p:sp>
       <p:pic>
         <p:nvPicPr>
           <p:cNvPr id="2050" name="Picture 2"/>
@@ -8853,8 +9230,8 @@
         </p:blipFill>
         <p:spPr bwMode="auto">
           <a:xfrm>
-            <a:off x="2414339" y="1038225"/>
-            <a:ext cx="6334125" cy="5819775"/>
+            <a:off x="21800" y="2204864"/>
+            <a:ext cx="9158712" cy="4680520"/>
           </a:xfrm>
           <a:prstGeom prst="rect">
             <a:avLst/>
@@ -8868,6 +9245,68 @@
           </a:ln>
         </p:spPr>
       </p:pic>
+      <p:sp>
+        <p:nvSpPr>
+          <p:cNvPr id="2" name="Заголовок 1"/>
+          <p:cNvSpPr>
+            <a:spLocks noGrp="1"/>
+          </p:cNvSpPr>
+          <p:nvPr>
+            <p:ph type="title"/>
+          </p:nvPr>
+        </p:nvSpPr>
+        <p:spPr>
+          <a:xfrm>
+            <a:off x="251520" y="692696"/>
+            <a:ext cx="8496944" cy="706090"/>
+          </a:xfrm>
+        </p:spPr>
+        <p:txBody>
+          <a:bodyPr>
+            <a:normAutofit/>
+          </a:bodyPr>
+          <a:lstStyle/>
+          <a:p>
+            <a:r>
+              <a:rPr lang="uk-UA" dirty="0" smtClean="0"/>
+              <a:t>Приклад коду (реалізація </a:t>
+            </a:r>
+            <a:r>
+              <a:rPr lang="en-US" dirty="0" smtClean="0"/>
+              <a:t>Generic Repository</a:t>
+            </a:r>
+            <a:r>
+              <a:rPr lang="uk-UA" dirty="0" smtClean="0"/>
+              <a:t>)</a:t>
+            </a:r>
+            <a:endParaRPr lang="ru-RU" dirty="0"/>
+          </a:p>
+        </p:txBody>
+      </p:sp>
+      <p:sp>
+        <p:nvSpPr>
+          <p:cNvPr id="4" name="Номер слайда 3"/>
+          <p:cNvSpPr>
+            <a:spLocks noGrp="1"/>
+          </p:cNvSpPr>
+          <p:nvPr>
+            <p:ph type="sldNum" sz="quarter" idx="15"/>
+          </p:nvPr>
+        </p:nvSpPr>
+        <p:spPr/>
+        <p:txBody>
+          <a:bodyPr/>
+          <a:lstStyle/>
+          <a:p>
+            <a:fld id="{22324D31-0B21-45D2-B837-F185E0F17A78}" type="slidenum">
+              <a:rPr lang="ru-RU" smtClean="0"/>
+              <a:pPr/>
+              <a:t>9</a:t>
+            </a:fld>
+            <a:endParaRPr lang="ru-RU"/>
+          </a:p>
+        </p:txBody>
+      </p:sp>
       <p:pic>
         <p:nvPicPr>
           <p:cNvPr id="2051" name="Picture 3"/>
@@ -8885,8 +9324,8 @@
         </p:blipFill>
         <p:spPr bwMode="auto">
           <a:xfrm>
-            <a:off x="179512" y="3284984"/>
-            <a:ext cx="2232248" cy="285750"/>
+            <a:off x="8100392" y="5805264"/>
+            <a:ext cx="752475" cy="714375"/>
           </a:xfrm>
           <a:prstGeom prst="rect">
             <a:avLst/>
@@ -8900,104 +9339,18 @@
           </a:ln>
         </p:spPr>
       </p:pic>
-      <p:sp>
-        <p:nvSpPr>
-          <p:cNvPr id="9" name="TextBox 8"/>
-          <p:cNvSpPr txBox="1"/>
-          <p:nvPr/>
-        </p:nvSpPr>
-        <p:spPr>
-          <a:xfrm>
-            <a:off x="107504" y="2825502"/>
-            <a:ext cx="2296141" cy="338554"/>
-          </a:xfrm>
-          <a:prstGeom prst="rect">
-            <a:avLst/>
-          </a:prstGeom>
-          <a:noFill/>
-        </p:spPr>
-        <p:txBody>
-          <a:bodyPr wrap="none" rtlCol="0">
-            <a:spAutoFit/>
-          </a:bodyPr>
-          <a:lstStyle/>
-          <a:p>
-            <a:r>
-              <a:rPr lang="uk-UA" sz="1600" dirty="0" smtClean="0">
-                <a:solidFill>
-                  <a:schemeClr val="tx1">
-                    <a:lumMod val="65000"/>
-                    <a:lumOff val="35000"/>
-                  </a:schemeClr>
-                </a:solidFill>
-                <a:latin typeface="Calibri" pitchFamily="34" charset="0"/>
-                <a:cs typeface="Calibri" pitchFamily="34" charset="0"/>
-              </a:rPr>
-              <a:t>Приклад використання </a:t>
-            </a:r>
-            <a:r>
-              <a:rPr lang="en-US" sz="1600" dirty="0" smtClean="0">
-                <a:solidFill>
-                  <a:schemeClr val="tx1">
-                    <a:lumMod val="65000"/>
-                    <a:lumOff val="35000"/>
-                  </a:schemeClr>
-                </a:solidFill>
-                <a:latin typeface="Calibri" pitchFamily="34" charset="0"/>
-                <a:cs typeface="Calibri" pitchFamily="34" charset="0"/>
-              </a:rPr>
-              <a:t>:</a:t>
-            </a:r>
-            <a:endParaRPr lang="ru-RU" sz="1600" dirty="0">
-              <a:solidFill>
-                <a:schemeClr val="tx1">
-                  <a:lumMod val="65000"/>
-                  <a:lumOff val="35000"/>
-                </a:schemeClr>
-              </a:solidFill>
-              <a:latin typeface="Calibri" pitchFamily="34" charset="0"/>
-              <a:cs typeface="Calibri" pitchFamily="34" charset="0"/>
-            </a:endParaRPr>
-          </a:p>
-        </p:txBody>
-      </p:sp>
-      <p:pic>
-        <p:nvPicPr>
-          <p:cNvPr id="2054" name="Picture 6"/>
-          <p:cNvPicPr>
-            <a:picLocks noChangeAspect="1" noChangeArrowheads="1"/>
-          </p:cNvPicPr>
-          <p:nvPr/>
-        </p:nvPicPr>
-        <p:blipFill>
-          <a:blip r:embed="rId4" cstate="print"/>
-          <a:srcRect/>
-          <a:stretch>
-            <a:fillRect/>
-          </a:stretch>
-        </p:blipFill>
-        <p:spPr bwMode="auto">
-          <a:xfrm>
-            <a:off x="179512" y="3589015"/>
-            <a:ext cx="2362200" cy="200025"/>
-          </a:xfrm>
-          <a:prstGeom prst="rect">
-            <a:avLst/>
-          </a:prstGeom>
-          <a:noFill/>
-          <a:ln w="9525">
-            <a:noFill/>
-            <a:miter lim="800000"/>
-            <a:headEnd/>
-            <a:tailEnd/>
-          </a:ln>
-        </p:spPr>
-      </p:pic>
     </p:spTree>
   </p:cSld>
   <p:clrMapOvr>
     <a:masterClrMapping/>
   </p:clrMapOvr>
+  <p:timing>
+    <p:tnLst>
+      <p:par>
+        <p:cTn id="1" dur="indefinite" restart="never" nodeType="tmRoot"/>
+      </p:par>
+    </p:tnLst>
+  </p:timing>
 </p:sld>
 </file>
 
